--- a/新流程1123.pptx
+++ b/新流程1123.pptx
@@ -5,14 +5,15 @@
     <p:sldMasterId id="2147483648" r:id="rId1"/>
   </p:sldMasterIdLst>
   <p:sldIdLst>
-    <p:sldId id="256" r:id="rId2"/>
-    <p:sldId id="261" r:id="rId3"/>
-    <p:sldId id="258" r:id="rId4"/>
-    <p:sldId id="259" r:id="rId5"/>
-    <p:sldId id="257" r:id="rId6"/>
-    <p:sldId id="260" r:id="rId7"/>
-    <p:sldId id="262" r:id="rId8"/>
-    <p:sldId id="263" r:id="rId9"/>
+    <p:sldId id="264" r:id="rId2"/>
+    <p:sldId id="256" r:id="rId3"/>
+    <p:sldId id="261" r:id="rId4"/>
+    <p:sldId id="258" r:id="rId5"/>
+    <p:sldId id="259" r:id="rId6"/>
+    <p:sldId id="257" r:id="rId7"/>
+    <p:sldId id="260" r:id="rId8"/>
+    <p:sldId id="262" r:id="rId9"/>
+    <p:sldId id="263" r:id="rId10"/>
   </p:sldIdLst>
   <p:sldSz cx="12192000" cy="6858000"/>
   <p:notesSz cx="6858000" cy="9144000"/>
@@ -3333,689 +3334,80 @@
           <a:chExt cx="0" cy="0"/>
         </a:xfrm>
       </p:grpSpPr>
-      <p:pic>
-        <p:nvPicPr>
-          <p:cNvPr id="10" name="圖片 9">
-            <a:extLst>
-              <a:ext uri="{FF2B5EF4-FFF2-40B4-BE49-F238E27FC236}">
-                <a16:creationId xmlns:a16="http://schemas.microsoft.com/office/drawing/2014/main" id="{7FFF0E60-02C4-4C26-901C-C4F32135F398}"/>
-              </a:ext>
-            </a:extLst>
-          </p:cNvPr>
-          <p:cNvPicPr>
-            <a:picLocks noChangeAspect="1"/>
-          </p:cNvPicPr>
-          <p:nvPr/>
-        </p:nvPicPr>
-        <p:blipFill rotWithShape="1">
-          <a:blip r:embed="rId2" cstate="print">
-            <a:extLst>
-              <a:ext uri="{28A0092B-C50C-407E-A947-70E740481C1C}">
-                <a14:useLocalDpi xmlns:a14="http://schemas.microsoft.com/office/drawing/2010/main" val="0"/>
-              </a:ext>
-            </a:extLst>
-          </a:blip>
-          <a:srcRect l="22714" r="24506"/>
-          <a:stretch/>
-        </p:blipFill>
-        <p:spPr>
-          <a:xfrm>
-            <a:off x="1024128" y="1472661"/>
-            <a:ext cx="1618488" cy="2120454"/>
-          </a:xfrm>
-          <a:prstGeom prst="rect">
-            <a:avLst/>
-          </a:prstGeom>
-        </p:spPr>
-      </p:pic>
-      <p:pic>
-        <p:nvPicPr>
-          <p:cNvPr id="12" name="圖片 11" descr="畫面剪輯">
-            <a:extLst>
-              <a:ext uri="{FF2B5EF4-FFF2-40B4-BE49-F238E27FC236}">
-                <a16:creationId xmlns:a16="http://schemas.microsoft.com/office/drawing/2014/main" id="{6E3AE6E2-8D99-4561-9F05-90F1D18953CD}"/>
-              </a:ext>
-            </a:extLst>
-          </p:cNvPr>
-          <p:cNvPicPr>
-            <a:picLocks noChangeAspect="1"/>
-          </p:cNvPicPr>
-          <p:nvPr/>
-        </p:nvPicPr>
-        <p:blipFill rotWithShape="1">
-          <a:blip r:embed="rId3" cstate="print">
-            <a:extLst>
-              <a:ext uri="{28A0092B-C50C-407E-A947-70E740481C1C}">
-                <a14:useLocalDpi xmlns:a14="http://schemas.microsoft.com/office/drawing/2010/main" val="0"/>
-              </a:ext>
-            </a:extLst>
-          </a:blip>
-          <a:srcRect l="13670"/>
-          <a:stretch/>
-        </p:blipFill>
-        <p:spPr>
-          <a:xfrm>
-            <a:off x="1674682" y="2341983"/>
-            <a:ext cx="372376" cy="474388"/>
-          </a:xfrm>
-          <a:prstGeom prst="rect">
-            <a:avLst/>
-          </a:prstGeom>
-        </p:spPr>
-      </p:pic>
-      <p:sp>
-        <p:nvSpPr>
-          <p:cNvPr id="13" name="文字方塊 12">
-            <a:extLst>
-              <a:ext uri="{FF2B5EF4-FFF2-40B4-BE49-F238E27FC236}">
-                <a16:creationId xmlns:a16="http://schemas.microsoft.com/office/drawing/2014/main" id="{6D07EF5C-60CE-408B-8EF9-C3211156C995}"/>
-              </a:ext>
-            </a:extLst>
-          </p:cNvPr>
-          <p:cNvSpPr txBox="1"/>
-          <p:nvPr/>
-        </p:nvSpPr>
-        <p:spPr>
-          <a:xfrm>
-            <a:off x="1071973" y="3593115"/>
-            <a:ext cx="1577794" cy="923330"/>
-          </a:xfrm>
-          <a:prstGeom prst="rect">
-            <a:avLst/>
-          </a:prstGeom>
-          <a:noFill/>
-        </p:spPr>
-        <p:txBody>
-          <a:bodyPr wrap="square" rtlCol="0">
-            <a:spAutoFit/>
-          </a:bodyPr>
-          <a:lstStyle/>
-          <a:p>
-            <a:r>
-              <a:rPr lang="zh-TW" altLang="en-US" b="1" dirty="0">
-                <a:latin typeface="標楷體" panose="03000509000000000000" pitchFamily="65" charset="-120"/>
-                <a:ea typeface="標楷體" panose="03000509000000000000" pitchFamily="65" charset="-120"/>
-              </a:rPr>
-              <a:t>智慧型手機透過藍芽連接樹莓派</a:t>
-            </a:r>
-            <a:endParaRPr lang="en-US" altLang="zh-TW" b="1" dirty="0">
-              <a:latin typeface="標楷體" panose="03000509000000000000" pitchFamily="65" charset="-120"/>
-              <a:ea typeface="標楷體" panose="03000509000000000000" pitchFamily="65" charset="-120"/>
-            </a:endParaRPr>
-          </a:p>
-        </p:txBody>
-      </p:sp>
-      <p:sp>
-        <p:nvSpPr>
-          <p:cNvPr id="19" name="箭號: 向右 10">
-            <a:extLst>
-              <a:ext uri="{FF2B5EF4-FFF2-40B4-BE49-F238E27FC236}">
-                <a16:creationId xmlns:a16="http://schemas.microsoft.com/office/drawing/2014/main" id="{0A406541-BCAB-43FD-851E-3338F9A7EA0F}"/>
-              </a:ext>
-            </a:extLst>
-          </p:cNvPr>
-          <p:cNvSpPr/>
-          <p:nvPr/>
-        </p:nvSpPr>
-        <p:spPr>
-          <a:xfrm>
-            <a:off x="2819551" y="2438706"/>
-            <a:ext cx="732459" cy="192999"/>
-          </a:xfrm>
-          <a:prstGeom prst="rightArrow">
-            <a:avLst/>
-          </a:prstGeom>
-        </p:spPr>
-        <p:style>
-          <a:lnRef idx="2">
-            <a:schemeClr val="dk1">
-              <a:shade val="50000"/>
-            </a:schemeClr>
-          </a:lnRef>
-          <a:fillRef idx="1">
-            <a:schemeClr val="dk1"/>
-          </a:fillRef>
-          <a:effectRef idx="0">
-            <a:schemeClr val="dk1"/>
-          </a:effectRef>
-          <a:fontRef idx="minor">
-            <a:schemeClr val="lt1"/>
-          </a:fontRef>
-        </p:style>
-        <p:txBody>
-          <a:bodyPr rtlCol="0" anchor="ctr"/>
-          <a:lstStyle/>
-          <a:p>
-            <a:pPr algn="ctr"/>
+      <p:sp>
+        <p:nvSpPr>
+          <p:cNvPr id="2" name="標題 1">
+            <a:extLst>
+              <a:ext uri="{FF2B5EF4-FFF2-40B4-BE49-F238E27FC236}">
+                <a16:creationId xmlns:a16="http://schemas.microsoft.com/office/drawing/2014/main" id="{5FF3E017-54D0-46E1-B194-448C30F72B69}"/>
+              </a:ext>
+            </a:extLst>
+          </p:cNvPr>
+          <p:cNvSpPr>
+            <a:spLocks noGrp="1"/>
+          </p:cNvSpPr>
+          <p:nvPr>
+            <p:ph type="title"/>
+          </p:nvPr>
+        </p:nvSpPr>
+        <p:spPr/>
+        <p:txBody>
+          <a:bodyPr/>
+          <a:lstStyle/>
+          <a:p>
+            <a:r>
+              <a:rPr lang="en-US" altLang="zh-TW" dirty="0"/>
+              <a:t>1123</a:t>
+            </a:r>
+            <a:r>
+              <a:rPr lang="zh-TW" altLang="en-US" dirty="0"/>
+              <a:t> </a:t>
+            </a:r>
+            <a:r>
+              <a:rPr lang="en-US" altLang="zh-TW" dirty="0" err="1"/>
+              <a:t>sourcetree</a:t>
+            </a:r>
+            <a:r>
+              <a:rPr lang="en-US" altLang="zh-TW" dirty="0"/>
+              <a:t> test</a:t>
+            </a:r>
+            <a:endParaRPr lang="zh-TW" altLang="en-US" dirty="0"/>
+          </a:p>
+        </p:txBody>
+      </p:sp>
+      <p:sp>
+        <p:nvSpPr>
+          <p:cNvPr id="3" name="內容版面配置區 2">
+            <a:extLst>
+              <a:ext uri="{FF2B5EF4-FFF2-40B4-BE49-F238E27FC236}">
+                <a16:creationId xmlns:a16="http://schemas.microsoft.com/office/drawing/2014/main" id="{1477FE5C-8E31-4D2F-A631-2B5B75C10D11}"/>
+              </a:ext>
+            </a:extLst>
+          </p:cNvPr>
+          <p:cNvSpPr>
+            <a:spLocks noGrp="1"/>
+          </p:cNvSpPr>
+          <p:nvPr>
+            <p:ph idx="1"/>
+          </p:nvPr>
+        </p:nvSpPr>
+        <p:spPr/>
+        <p:txBody>
+          <a:bodyPr/>
+          <a:lstStyle/>
+          <a:p>
+            <a:r>
+              <a:rPr lang="en-US" altLang="zh-TW"/>
+              <a:t>jellyfish</a:t>
+            </a:r>
             <a:endParaRPr lang="zh-TW" altLang="en-US"/>
           </a:p>
         </p:txBody>
       </p:sp>
-      <p:sp>
-        <p:nvSpPr>
-          <p:cNvPr id="2" name="矩形 1"/>
-          <p:cNvSpPr/>
-          <p:nvPr/>
-        </p:nvSpPr>
-        <p:spPr>
-          <a:xfrm>
-            <a:off x="4005823" y="3669706"/>
-            <a:ext cx="1107996" cy="369332"/>
-          </a:xfrm>
-          <a:prstGeom prst="rect">
-            <a:avLst/>
-          </a:prstGeom>
-        </p:spPr>
-        <p:txBody>
-          <a:bodyPr wrap="none">
-            <a:spAutoFit/>
-          </a:bodyPr>
-          <a:lstStyle/>
-          <a:p>
-            <a:r>
-              <a:rPr lang="zh-TW" altLang="en-US" b="1" dirty="0">
-                <a:latin typeface="標楷體" panose="03000509000000000000" pitchFamily="65" charset="-120"/>
-                <a:ea typeface="標楷體" panose="03000509000000000000" pitchFamily="65" charset="-120"/>
-              </a:rPr>
-              <a:t>開啟程式</a:t>
-            </a:r>
-          </a:p>
-        </p:txBody>
-      </p:sp>
-      <p:sp>
-        <p:nvSpPr>
-          <p:cNvPr id="22" name="箭號: 向右 19">
-            <a:extLst>
-              <a:ext uri="{FF2B5EF4-FFF2-40B4-BE49-F238E27FC236}">
-                <a16:creationId xmlns:a16="http://schemas.microsoft.com/office/drawing/2014/main" id="{EA03BA1F-3E34-4844-B6B0-E1C0234CB25C}"/>
-              </a:ext>
-            </a:extLst>
-          </p:cNvPr>
-          <p:cNvSpPr/>
-          <p:nvPr/>
-        </p:nvSpPr>
-        <p:spPr>
-          <a:xfrm>
-            <a:off x="5430062" y="2417926"/>
-            <a:ext cx="865640" cy="188363"/>
-          </a:xfrm>
-          <a:prstGeom prst="rightArrow">
-            <a:avLst/>
-          </a:prstGeom>
-        </p:spPr>
-        <p:style>
-          <a:lnRef idx="2">
-            <a:schemeClr val="dk1">
-              <a:shade val="50000"/>
-            </a:schemeClr>
-          </a:lnRef>
-          <a:fillRef idx="1">
-            <a:schemeClr val="dk1"/>
-          </a:fillRef>
-          <a:effectRef idx="0">
-            <a:schemeClr val="dk1"/>
-          </a:effectRef>
-          <a:fontRef idx="minor">
-            <a:schemeClr val="lt1"/>
-          </a:fontRef>
-        </p:style>
-        <p:txBody>
-          <a:bodyPr rtlCol="0" anchor="ctr"/>
-          <a:lstStyle/>
-          <a:p>
-            <a:pPr algn="ctr"/>
-            <a:endParaRPr lang="zh-TW" altLang="en-US"/>
-          </a:p>
-        </p:txBody>
-      </p:sp>
-      <p:sp>
-        <p:nvSpPr>
-          <p:cNvPr id="3" name="矩形 2"/>
-          <p:cNvSpPr/>
-          <p:nvPr/>
-        </p:nvSpPr>
-        <p:spPr>
-          <a:xfrm>
-            <a:off x="3558277" y="3937201"/>
-            <a:ext cx="2005994" cy="646331"/>
-          </a:xfrm>
-          <a:prstGeom prst="rect">
-            <a:avLst/>
-          </a:prstGeom>
-        </p:spPr>
-        <p:txBody>
-          <a:bodyPr wrap="square">
-            <a:spAutoFit/>
-          </a:bodyPr>
-          <a:lstStyle/>
-          <a:p>
-            <a:r>
-              <a:rPr lang="zh-TW" altLang="en-US" b="1" dirty="0">
-                <a:latin typeface="標楷體" panose="03000509000000000000" pitchFamily="65" charset="-120"/>
-                <a:ea typeface="標楷體" panose="03000509000000000000" pitchFamily="65" charset="-120"/>
-              </a:rPr>
-              <a:t>選擇桶數</a:t>
-            </a:r>
-            <a:r>
-              <a:rPr lang="en-US" altLang="zh-TW" b="1" dirty="0">
-                <a:latin typeface="標楷體" panose="03000509000000000000" pitchFamily="65" charset="-120"/>
-                <a:ea typeface="標楷體" panose="03000509000000000000" pitchFamily="65" charset="-120"/>
-              </a:rPr>
-              <a:t>(EX:</a:t>
-            </a:r>
-            <a:r>
-              <a:rPr lang="zh-TW" altLang="en-US" b="1" dirty="0">
-                <a:latin typeface="標楷體" panose="03000509000000000000" pitchFamily="65" charset="-120"/>
-                <a:ea typeface="標楷體" panose="03000509000000000000" pitchFamily="65" charset="-120"/>
-              </a:rPr>
-              <a:t>預設</a:t>
-            </a:r>
-            <a:r>
-              <a:rPr lang="en-US" altLang="zh-TW" b="1" dirty="0">
-                <a:latin typeface="標楷體" panose="03000509000000000000" pitchFamily="65" charset="-120"/>
-                <a:ea typeface="標楷體" panose="03000509000000000000" pitchFamily="65" charset="-120"/>
-              </a:rPr>
-              <a:t>2</a:t>
-            </a:r>
-            <a:r>
-              <a:rPr lang="zh-TW" altLang="en-US" b="1" dirty="0">
-                <a:latin typeface="標楷體" panose="03000509000000000000" pitchFamily="65" charset="-120"/>
-                <a:ea typeface="標楷體" panose="03000509000000000000" pitchFamily="65" charset="-120"/>
-              </a:rPr>
-              <a:t>桶</a:t>
-            </a:r>
-            <a:r>
-              <a:rPr lang="en-US" altLang="zh-TW" b="1" dirty="0">
-                <a:latin typeface="標楷體" panose="03000509000000000000" pitchFamily="65" charset="-120"/>
-                <a:ea typeface="標楷體" panose="03000509000000000000" pitchFamily="65" charset="-120"/>
-              </a:rPr>
-              <a:t>)</a:t>
-            </a:r>
-            <a:endParaRPr lang="zh-TW" altLang="en-US" b="1" dirty="0">
-              <a:latin typeface="標楷體" panose="03000509000000000000" pitchFamily="65" charset="-120"/>
-              <a:ea typeface="標楷體" panose="03000509000000000000" pitchFamily="65" charset="-120"/>
-            </a:endParaRPr>
-          </a:p>
-        </p:txBody>
-      </p:sp>
-      <p:sp>
-        <p:nvSpPr>
-          <p:cNvPr id="4" name="文字方塊 3"/>
-          <p:cNvSpPr txBox="1"/>
-          <p:nvPr/>
-        </p:nvSpPr>
-        <p:spPr>
-          <a:xfrm>
-            <a:off x="2615112" y="2698051"/>
-            <a:ext cx="1194665" cy="646331"/>
-          </a:xfrm>
-          <a:prstGeom prst="rect">
-            <a:avLst/>
-          </a:prstGeom>
-          <a:noFill/>
-        </p:spPr>
-        <p:txBody>
-          <a:bodyPr wrap="square" rtlCol="0">
-            <a:spAutoFit/>
-          </a:bodyPr>
-          <a:lstStyle/>
-          <a:p>
-            <a:r>
-              <a:rPr lang="zh-TW" altLang="en-US" dirty="0">
-                <a:latin typeface="標楷體" panose="03000509000000000000" pitchFamily="65" charset="-120"/>
-                <a:ea typeface="標楷體" panose="03000509000000000000" pitchFamily="65" charset="-120"/>
-              </a:rPr>
-              <a:t>連接設定好的網路</a:t>
-            </a:r>
-          </a:p>
-        </p:txBody>
-      </p:sp>
-      <p:sp>
-        <p:nvSpPr>
-          <p:cNvPr id="7" name="文字方塊 6"/>
-          <p:cNvSpPr txBox="1"/>
-          <p:nvPr/>
-        </p:nvSpPr>
-        <p:spPr>
-          <a:xfrm>
-            <a:off x="868680" y="455102"/>
-            <a:ext cx="3027419" cy="707886"/>
-          </a:xfrm>
-          <a:prstGeom prst="rect">
-            <a:avLst/>
-          </a:prstGeom>
-          <a:noFill/>
-        </p:spPr>
-        <p:txBody>
-          <a:bodyPr wrap="square" rtlCol="0">
-            <a:spAutoFit/>
-          </a:bodyPr>
-          <a:lstStyle/>
-          <a:p>
-            <a:r>
-              <a:rPr lang="zh-TW" altLang="en-US" sz="4000" b="1" dirty="0">
-                <a:latin typeface="標楷體" panose="03000509000000000000" pitchFamily="65" charset="-120"/>
-                <a:ea typeface="標楷體" panose="03000509000000000000" pitchFamily="65" charset="-120"/>
-              </a:rPr>
-              <a:t>操作流程</a:t>
-            </a:r>
-          </a:p>
-        </p:txBody>
-      </p:sp>
-      <p:pic>
-        <p:nvPicPr>
-          <p:cNvPr id="27" name="圖片 26"/>
-          <p:cNvPicPr>
-            <a:picLocks noChangeAspect="1"/>
-          </p:cNvPicPr>
-          <p:nvPr/>
-        </p:nvPicPr>
-        <p:blipFill rotWithShape="1">
-          <a:blip r:embed="rId4" cstate="hqprint">
-            <a:extLst>
-              <a:ext uri="{28A0092B-C50C-407E-A947-70E740481C1C}">
-                <a14:useLocalDpi xmlns:a14="http://schemas.microsoft.com/office/drawing/2010/main" val="0"/>
-              </a:ext>
-            </a:extLst>
-          </a:blip>
-          <a:srcRect l="24990" t="1650" r="24514" b="-1650"/>
-          <a:stretch/>
-        </p:blipFill>
-        <p:spPr>
-          <a:xfrm>
-            <a:off x="6467884" y="1472661"/>
-            <a:ext cx="1655606" cy="2267256"/>
-          </a:xfrm>
-          <a:prstGeom prst="rect">
-            <a:avLst/>
-          </a:prstGeom>
-        </p:spPr>
-      </p:pic>
-      <p:sp>
-        <p:nvSpPr>
-          <p:cNvPr id="8" name="文字方塊 7"/>
-          <p:cNvSpPr txBox="1"/>
-          <p:nvPr/>
-        </p:nvSpPr>
-        <p:spPr>
-          <a:xfrm>
-            <a:off x="6440831" y="3688520"/>
-            <a:ext cx="1677322" cy="646331"/>
-          </a:xfrm>
-          <a:prstGeom prst="rect">
-            <a:avLst/>
-          </a:prstGeom>
-          <a:noFill/>
-        </p:spPr>
-        <p:txBody>
-          <a:bodyPr wrap="square" rtlCol="0">
-            <a:spAutoFit/>
-          </a:bodyPr>
-          <a:lstStyle/>
-          <a:p>
-            <a:r>
-              <a:rPr lang="zh-TW" altLang="en-US" b="1" dirty="0">
-                <a:latin typeface="標楷體" panose="03000509000000000000" pitchFamily="65" charset="-120"/>
-                <a:ea typeface="標楷體" panose="03000509000000000000" pitchFamily="65" charset="-120"/>
-              </a:rPr>
-              <a:t>資料上傳雲端，等待計算結果</a:t>
-            </a:r>
-          </a:p>
-        </p:txBody>
-      </p:sp>
-      <p:sp>
-        <p:nvSpPr>
-          <p:cNvPr id="28" name="箭號: 向右 19">
-            <a:extLst>
-              <a:ext uri="{FF2B5EF4-FFF2-40B4-BE49-F238E27FC236}">
-                <a16:creationId xmlns:a16="http://schemas.microsoft.com/office/drawing/2014/main" id="{EA03BA1F-3E34-4844-B6B0-E1C0234CB25C}"/>
-              </a:ext>
-            </a:extLst>
-          </p:cNvPr>
-          <p:cNvSpPr/>
-          <p:nvPr/>
-        </p:nvSpPr>
-        <p:spPr>
-          <a:xfrm>
-            <a:off x="8165439" y="2436785"/>
-            <a:ext cx="865640" cy="188363"/>
-          </a:xfrm>
-          <a:prstGeom prst="rightArrow">
-            <a:avLst/>
-          </a:prstGeom>
-        </p:spPr>
-        <p:style>
-          <a:lnRef idx="2">
-            <a:schemeClr val="dk1">
-              <a:shade val="50000"/>
-            </a:schemeClr>
-          </a:lnRef>
-          <a:fillRef idx="1">
-            <a:schemeClr val="dk1"/>
-          </a:fillRef>
-          <a:effectRef idx="0">
-            <a:schemeClr val="dk1"/>
-          </a:effectRef>
-          <a:fontRef idx="minor">
-            <a:schemeClr val="lt1"/>
-          </a:fontRef>
-        </p:style>
-        <p:txBody>
-          <a:bodyPr rtlCol="0" anchor="ctr"/>
-          <a:lstStyle/>
-          <a:p>
-            <a:pPr algn="ctr"/>
-            <a:endParaRPr lang="zh-TW" altLang="en-US"/>
-          </a:p>
-        </p:txBody>
-      </p:sp>
-      <p:pic>
-        <p:nvPicPr>
-          <p:cNvPr id="29" name="圖片 28"/>
-          <p:cNvPicPr>
-            <a:picLocks noChangeAspect="1"/>
-          </p:cNvPicPr>
-          <p:nvPr/>
-        </p:nvPicPr>
-        <p:blipFill rotWithShape="1">
-          <a:blip r:embed="rId5">
-            <a:extLst>
-              <a:ext uri="{28A0092B-C50C-407E-A947-70E740481C1C}">
-                <a14:useLocalDpi xmlns:a14="http://schemas.microsoft.com/office/drawing/2010/main" val="0"/>
-              </a:ext>
-            </a:extLst>
-          </a:blip>
-          <a:srcRect l="23607" r="27617"/>
-          <a:stretch/>
-        </p:blipFill>
-        <p:spPr>
-          <a:xfrm>
-            <a:off x="9073028" y="1433847"/>
-            <a:ext cx="1726290" cy="2447529"/>
-          </a:xfrm>
-          <a:prstGeom prst="rect">
-            <a:avLst/>
-          </a:prstGeom>
-        </p:spPr>
-      </p:pic>
-      <p:sp>
-        <p:nvSpPr>
-          <p:cNvPr id="30" name="矩形 29"/>
-          <p:cNvSpPr/>
-          <p:nvPr/>
-        </p:nvSpPr>
-        <p:spPr>
-          <a:xfrm>
-            <a:off x="9151343" y="3689510"/>
-            <a:ext cx="1569660" cy="369332"/>
-          </a:xfrm>
-          <a:prstGeom prst="rect">
-            <a:avLst/>
-          </a:prstGeom>
-        </p:spPr>
-        <p:txBody>
-          <a:bodyPr wrap="none">
-            <a:spAutoFit/>
-          </a:bodyPr>
-          <a:lstStyle/>
-          <a:p>
-            <a:r>
-              <a:rPr lang="zh-TW" altLang="en-US" b="1" dirty="0">
-                <a:latin typeface="標楷體" panose="03000509000000000000" pitchFamily="65" charset="-120"/>
-                <a:ea typeface="標楷體" panose="03000509000000000000" pitchFamily="65" charset="-120"/>
-              </a:rPr>
-              <a:t>計算結果頁面</a:t>
-            </a:r>
-          </a:p>
-        </p:txBody>
-      </p:sp>
-      <p:sp>
-        <p:nvSpPr>
-          <p:cNvPr id="31" name="矩形 30"/>
-          <p:cNvSpPr/>
-          <p:nvPr/>
-        </p:nvSpPr>
-        <p:spPr>
-          <a:xfrm>
-            <a:off x="5218884" y="2631705"/>
-            <a:ext cx="1338828" cy="369332"/>
-          </a:xfrm>
-          <a:prstGeom prst="rect">
-            <a:avLst/>
-          </a:prstGeom>
-        </p:spPr>
-        <p:txBody>
-          <a:bodyPr wrap="none">
-            <a:spAutoFit/>
-          </a:bodyPr>
-          <a:lstStyle/>
-          <a:p>
-            <a:r>
-              <a:rPr lang="zh-TW" altLang="en-US" dirty="0">
-                <a:latin typeface="標楷體" panose="03000509000000000000" pitchFamily="65" charset="-120"/>
-                <a:ea typeface="標楷體" panose="03000509000000000000" pitchFamily="65" charset="-120"/>
-              </a:rPr>
-              <a:t>按開始計算</a:t>
-            </a:r>
-          </a:p>
-        </p:txBody>
-      </p:sp>
-      <p:sp>
-        <p:nvSpPr>
-          <p:cNvPr id="32" name="矩形 31"/>
-          <p:cNvSpPr/>
-          <p:nvPr/>
-        </p:nvSpPr>
-        <p:spPr>
-          <a:xfrm>
-            <a:off x="10622340" y="2631705"/>
-            <a:ext cx="1569660" cy="369332"/>
-          </a:xfrm>
-          <a:prstGeom prst="rect">
-            <a:avLst/>
-          </a:prstGeom>
-        </p:spPr>
-        <p:txBody>
-          <a:bodyPr wrap="none">
-            <a:spAutoFit/>
-          </a:bodyPr>
-          <a:lstStyle/>
-          <a:p>
-            <a:r>
-              <a:rPr lang="zh-TW" altLang="en-US" b="1" dirty="0">
-                <a:latin typeface="標楷體" panose="03000509000000000000" pitchFamily="65" charset="-120"/>
-                <a:ea typeface="標楷體" panose="03000509000000000000" pitchFamily="65" charset="-120"/>
-              </a:rPr>
-              <a:t>選擇數量總和</a:t>
-            </a:r>
-          </a:p>
-        </p:txBody>
-      </p:sp>
-      <p:sp>
-        <p:nvSpPr>
-          <p:cNvPr id="33" name="箭號: 向右 19">
-            <a:extLst>
-              <a:ext uri="{FF2B5EF4-FFF2-40B4-BE49-F238E27FC236}">
-                <a16:creationId xmlns:a16="http://schemas.microsoft.com/office/drawing/2014/main" id="{EA03BA1F-3E34-4844-B6B0-E1C0234CB25C}"/>
-              </a:ext>
-            </a:extLst>
-          </p:cNvPr>
-          <p:cNvSpPr/>
-          <p:nvPr/>
-        </p:nvSpPr>
-        <p:spPr>
-          <a:xfrm>
-            <a:off x="10883216" y="2443342"/>
-            <a:ext cx="865640" cy="188363"/>
-          </a:xfrm>
-          <a:prstGeom prst="rightArrow">
-            <a:avLst/>
-          </a:prstGeom>
-        </p:spPr>
-        <p:style>
-          <a:lnRef idx="2">
-            <a:schemeClr val="dk1">
-              <a:shade val="50000"/>
-            </a:schemeClr>
-          </a:lnRef>
-          <a:fillRef idx="1">
-            <a:schemeClr val="dk1"/>
-          </a:fillRef>
-          <a:effectRef idx="0">
-            <a:schemeClr val="dk1"/>
-          </a:effectRef>
-          <a:fontRef idx="minor">
-            <a:schemeClr val="lt1"/>
-          </a:fontRef>
-        </p:style>
-        <p:txBody>
-          <a:bodyPr rtlCol="0" anchor="ctr"/>
-          <a:lstStyle/>
-          <a:p>
-            <a:pPr algn="ctr"/>
-            <a:endParaRPr lang="zh-TW" altLang="en-US"/>
-          </a:p>
-        </p:txBody>
-      </p:sp>
-      <p:pic>
-        <p:nvPicPr>
-          <p:cNvPr id="6" name="圖片 5">
-            <a:extLst>
-              <a:ext uri="{FF2B5EF4-FFF2-40B4-BE49-F238E27FC236}">
-                <a16:creationId xmlns:a16="http://schemas.microsoft.com/office/drawing/2014/main" id="{79DD43C6-B1E0-42DB-81D2-FFFAE4037EDE}"/>
-              </a:ext>
-            </a:extLst>
-          </p:cNvPr>
-          <p:cNvPicPr>
-            <a:picLocks noChangeAspect="1"/>
-          </p:cNvPicPr>
-          <p:nvPr/>
-        </p:nvPicPr>
-        <p:blipFill rotWithShape="1">
-          <a:blip r:embed="rId6">
-            <a:extLst>
-              <a:ext uri="{28A0092B-C50C-407E-A947-70E740481C1C}">
-                <a14:useLocalDpi xmlns:a14="http://schemas.microsoft.com/office/drawing/2010/main" val="0"/>
-              </a:ext>
-            </a:extLst>
-          </a:blip>
-          <a:srcRect l="23441" r="24696"/>
-          <a:stretch/>
-        </p:blipFill>
-        <p:spPr>
-          <a:xfrm>
-            <a:off x="3653993" y="1486677"/>
-            <a:ext cx="1679440" cy="2239223"/>
-          </a:xfrm>
-          <a:prstGeom prst="rect">
-            <a:avLst/>
-          </a:prstGeom>
-        </p:spPr>
-      </p:pic>
     </p:spTree>
     <p:extLst>
       <p:ext uri="{BB962C8B-B14F-4D97-AF65-F5344CB8AC3E}">
-        <p14:creationId xmlns:p14="http://schemas.microsoft.com/office/powerpoint/2010/main" val="430913420"/>
+        <p14:creationId xmlns:p14="http://schemas.microsoft.com/office/powerpoint/2010/main" val="3495810872"/>
       </p:ext>
     </p:extLst>
   </p:cSld>
@@ -4044,43 +3436,90 @@
       </p:grpSpPr>
       <p:pic>
         <p:nvPicPr>
-          <p:cNvPr id="5" name="圖片 4"/>
+          <p:cNvPr id="10" name="圖片 9">
+            <a:extLst>
+              <a:ext uri="{FF2B5EF4-FFF2-40B4-BE49-F238E27FC236}">
+                <a16:creationId xmlns:a16="http://schemas.microsoft.com/office/drawing/2014/main" id="{7FFF0E60-02C4-4C26-901C-C4F32135F398}"/>
+              </a:ext>
+            </a:extLst>
+          </p:cNvPr>
           <p:cNvPicPr>
             <a:picLocks noChangeAspect="1"/>
           </p:cNvPicPr>
           <p:nvPr/>
         </p:nvPicPr>
         <p:blipFill rotWithShape="1">
-          <a:blip r:embed="rId2">
+          <a:blip r:embed="rId2" cstate="print">
             <a:extLst>
               <a:ext uri="{28A0092B-C50C-407E-A947-70E740481C1C}">
                 <a14:useLocalDpi xmlns:a14="http://schemas.microsoft.com/office/drawing/2010/main" val="0"/>
               </a:ext>
             </a:extLst>
           </a:blip>
-          <a:srcRect l="23327" r="25268"/>
+          <a:srcRect l="22714" r="24506"/>
           <a:stretch/>
         </p:blipFill>
         <p:spPr>
           <a:xfrm>
-            <a:off x="886968" y="859536"/>
-            <a:ext cx="2025647" cy="2724912"/>
+            <a:off x="1024128" y="1472661"/>
+            <a:ext cx="1618488" cy="2120454"/>
           </a:xfrm>
           <a:prstGeom prst="rect">
             <a:avLst/>
           </a:prstGeom>
         </p:spPr>
       </p:pic>
-      <p:sp>
-        <p:nvSpPr>
-          <p:cNvPr id="6" name="文字方塊 5"/>
+      <p:pic>
+        <p:nvPicPr>
+          <p:cNvPr id="12" name="圖片 11" descr="畫面剪輯">
+            <a:extLst>
+              <a:ext uri="{FF2B5EF4-FFF2-40B4-BE49-F238E27FC236}">
+                <a16:creationId xmlns:a16="http://schemas.microsoft.com/office/drawing/2014/main" id="{6E3AE6E2-8D99-4561-9F05-90F1D18953CD}"/>
+              </a:ext>
+            </a:extLst>
+          </p:cNvPr>
+          <p:cNvPicPr>
+            <a:picLocks noChangeAspect="1"/>
+          </p:cNvPicPr>
+          <p:nvPr/>
+        </p:nvPicPr>
+        <p:blipFill rotWithShape="1">
+          <a:blip r:embed="rId3" cstate="print">
+            <a:extLst>
+              <a:ext uri="{28A0092B-C50C-407E-A947-70E740481C1C}">
+                <a14:useLocalDpi xmlns:a14="http://schemas.microsoft.com/office/drawing/2010/main" val="0"/>
+              </a:ext>
+            </a:extLst>
+          </a:blip>
+          <a:srcRect l="13670"/>
+          <a:stretch/>
+        </p:blipFill>
+        <p:spPr>
+          <a:xfrm>
+            <a:off x="1674682" y="2341983"/>
+            <a:ext cx="372376" cy="474388"/>
+          </a:xfrm>
+          <a:prstGeom prst="rect">
+            <a:avLst/>
+          </a:prstGeom>
+        </p:spPr>
+      </p:pic>
+      <p:sp>
+        <p:nvSpPr>
+          <p:cNvPr id="13" name="文字方塊 12">
+            <a:extLst>
+              <a:ext uri="{FF2B5EF4-FFF2-40B4-BE49-F238E27FC236}">
+                <a16:creationId xmlns:a16="http://schemas.microsoft.com/office/drawing/2014/main" id="{6D07EF5C-60CE-408B-8EF9-C3211156C995}"/>
+              </a:ext>
+            </a:extLst>
+          </p:cNvPr>
           <p:cNvSpPr txBox="1"/>
           <p:nvPr/>
         </p:nvSpPr>
         <p:spPr>
           <a:xfrm>
-            <a:off x="1085975" y="3584448"/>
-            <a:ext cx="1627632" cy="646331"/>
+            <a:off x="1071973" y="3593115"/>
+            <a:ext cx="1577794" cy="923330"/>
           </a:xfrm>
           <a:prstGeom prst="rect">
             <a:avLst/>
@@ -4098,17 +3537,21 @@
                 <a:latin typeface="標楷體" panose="03000509000000000000" pitchFamily="65" charset="-120"/>
                 <a:ea typeface="標楷體" panose="03000509000000000000" pitchFamily="65" charset="-120"/>
               </a:rPr>
-              <a:t>所有桶子裡蝦子的數量之和</a:t>
-            </a:r>
-          </a:p>
-        </p:txBody>
-      </p:sp>
-      <p:sp>
-        <p:nvSpPr>
-          <p:cNvPr id="4" name="箭號: 向右 10">
-            <a:extLst>
-              <a:ext uri="{FF2B5EF4-FFF2-40B4-BE49-F238E27FC236}">
-                <a16:creationId xmlns:a16="http://schemas.microsoft.com/office/drawing/2014/main" id="{F987A5C5-5832-4569-AED6-BBE0C264EC1B}"/>
+              <a:t>智慧型手機透過藍芽連接樹莓派</a:t>
+            </a:r>
+            <a:endParaRPr lang="en-US" altLang="zh-TW" b="1" dirty="0">
+              <a:latin typeface="標楷體" panose="03000509000000000000" pitchFamily="65" charset="-120"/>
+              <a:ea typeface="標楷體" panose="03000509000000000000" pitchFamily="65" charset="-120"/>
+            </a:endParaRPr>
+          </a:p>
+        </p:txBody>
+      </p:sp>
+      <p:sp>
+        <p:nvSpPr>
+          <p:cNvPr id="19" name="箭號: 向右 10">
+            <a:extLst>
+              <a:ext uri="{FF2B5EF4-FFF2-40B4-BE49-F238E27FC236}">
+                <a16:creationId xmlns:a16="http://schemas.microsoft.com/office/drawing/2014/main" id="{0A406541-BCAB-43FD-851E-3338F9A7EA0F}"/>
               </a:ext>
             </a:extLst>
           </p:cNvPr>
@@ -4117,7 +3560,7 @@
         </p:nvSpPr>
         <p:spPr>
           <a:xfrm>
-            <a:off x="3065735" y="2028993"/>
+            <a:off x="2819551" y="2438706"/>
             <a:ext cx="732459" cy="192999"/>
           </a:xfrm>
           <a:prstGeom prst="rightArrow">
@@ -4151,48 +3594,41 @@
       </p:sp>
       <p:sp>
         <p:nvSpPr>
-          <p:cNvPr id="2" name="文字方塊 1">
-            <a:extLst>
-              <a:ext uri="{FF2B5EF4-FFF2-40B4-BE49-F238E27FC236}">
-                <a16:creationId xmlns:a16="http://schemas.microsoft.com/office/drawing/2014/main" id="{DD3CA3DA-624C-4E01-BEBC-FD6ABF14F49D}"/>
-              </a:ext>
-            </a:extLst>
-          </p:cNvPr>
-          <p:cNvSpPr txBox="1"/>
-          <p:nvPr/>
-        </p:nvSpPr>
-        <p:spPr>
-          <a:xfrm>
-            <a:off x="2912615" y="2221992"/>
-            <a:ext cx="1140639" cy="646331"/>
+          <p:cNvPr id="2" name="矩形 1"/>
+          <p:cNvSpPr/>
+          <p:nvPr/>
+        </p:nvSpPr>
+        <p:spPr>
+          <a:xfrm>
+            <a:off x="4005823" y="3669706"/>
+            <a:ext cx="1107996" cy="369332"/>
           </a:xfrm>
           <a:prstGeom prst="rect">
             <a:avLst/>
           </a:prstGeom>
-          <a:noFill/>
-        </p:spPr>
-        <p:txBody>
-          <a:bodyPr wrap="square" rtlCol="0">
+        </p:spPr>
+        <p:txBody>
+          <a:bodyPr wrap="none">
             <a:spAutoFit/>
           </a:bodyPr>
           <a:lstStyle/>
           <a:p>
             <a:r>
-              <a:rPr lang="zh-TW" altLang="en-US" dirty="0">
-                <a:latin typeface="標楷體" panose="03000509000000000000" pitchFamily="65" charset="-120"/>
-                <a:ea typeface="標楷體" panose="03000509000000000000" pitchFamily="65" charset="-120"/>
-              </a:rPr>
-              <a:t>按下查看詳細</a:t>
-            </a:r>
-          </a:p>
-        </p:txBody>
-      </p:sp>
-      <p:sp>
-        <p:nvSpPr>
-          <p:cNvPr id="8" name="箭號: 向右 10">
-            <a:extLst>
-              <a:ext uri="{FF2B5EF4-FFF2-40B4-BE49-F238E27FC236}">
-                <a16:creationId xmlns:a16="http://schemas.microsoft.com/office/drawing/2014/main" id="{175E845F-5CCD-437C-85C8-00C568FB64DE}"/>
+              <a:rPr lang="zh-TW" altLang="en-US" b="1" dirty="0">
+                <a:latin typeface="標楷體" panose="03000509000000000000" pitchFamily="65" charset="-120"/>
+                <a:ea typeface="標楷體" panose="03000509000000000000" pitchFamily="65" charset="-120"/>
+              </a:rPr>
+              <a:t>開啟程式</a:t>
+            </a:r>
+          </a:p>
+        </p:txBody>
+      </p:sp>
+      <p:sp>
+        <p:nvSpPr>
+          <p:cNvPr id="22" name="箭號: 向右 19">
+            <a:extLst>
+              <a:ext uri="{FF2B5EF4-FFF2-40B4-BE49-F238E27FC236}">
+                <a16:creationId xmlns:a16="http://schemas.microsoft.com/office/drawing/2014/main" id="{EA03BA1F-3E34-4844-B6B0-E1C0234CB25C}"/>
               </a:ext>
             </a:extLst>
           </p:cNvPr>
@@ -4201,8 +3637,8 @@
         </p:nvSpPr>
         <p:spPr>
           <a:xfrm>
-            <a:off x="6154766" y="2028993"/>
-            <a:ext cx="732459" cy="192999"/>
+            <a:off x="5430062" y="2417926"/>
+            <a:ext cx="865640" cy="188363"/>
           </a:xfrm>
           <a:prstGeom prst="rightArrow">
             <a:avLst/>
@@ -4233,35 +3669,163 @@
           </a:p>
         </p:txBody>
       </p:sp>
+      <p:sp>
+        <p:nvSpPr>
+          <p:cNvPr id="3" name="矩形 2"/>
+          <p:cNvSpPr/>
+          <p:nvPr/>
+        </p:nvSpPr>
+        <p:spPr>
+          <a:xfrm>
+            <a:off x="3558277" y="3937201"/>
+            <a:ext cx="2005994" cy="646331"/>
+          </a:xfrm>
+          <a:prstGeom prst="rect">
+            <a:avLst/>
+          </a:prstGeom>
+        </p:spPr>
+        <p:txBody>
+          <a:bodyPr wrap="square">
+            <a:spAutoFit/>
+          </a:bodyPr>
+          <a:lstStyle/>
+          <a:p>
+            <a:r>
+              <a:rPr lang="zh-TW" altLang="en-US" b="1" dirty="0">
+                <a:latin typeface="標楷體" panose="03000509000000000000" pitchFamily="65" charset="-120"/>
+                <a:ea typeface="標楷體" panose="03000509000000000000" pitchFamily="65" charset="-120"/>
+              </a:rPr>
+              <a:t>選擇桶數</a:t>
+            </a:r>
+            <a:r>
+              <a:rPr lang="en-US" altLang="zh-TW" b="1" dirty="0">
+                <a:latin typeface="標楷體" panose="03000509000000000000" pitchFamily="65" charset="-120"/>
+                <a:ea typeface="標楷體" panose="03000509000000000000" pitchFamily="65" charset="-120"/>
+              </a:rPr>
+              <a:t>(EX:</a:t>
+            </a:r>
+            <a:r>
+              <a:rPr lang="zh-TW" altLang="en-US" b="1" dirty="0">
+                <a:latin typeface="標楷體" panose="03000509000000000000" pitchFamily="65" charset="-120"/>
+                <a:ea typeface="標楷體" panose="03000509000000000000" pitchFamily="65" charset="-120"/>
+              </a:rPr>
+              <a:t>預設</a:t>
+            </a:r>
+            <a:r>
+              <a:rPr lang="en-US" altLang="zh-TW" b="1" dirty="0">
+                <a:latin typeface="標楷體" panose="03000509000000000000" pitchFamily="65" charset="-120"/>
+                <a:ea typeface="標楷體" panose="03000509000000000000" pitchFamily="65" charset="-120"/>
+              </a:rPr>
+              <a:t>2</a:t>
+            </a:r>
+            <a:r>
+              <a:rPr lang="zh-TW" altLang="en-US" b="1" dirty="0">
+                <a:latin typeface="標楷體" panose="03000509000000000000" pitchFamily="65" charset="-120"/>
+                <a:ea typeface="標楷體" panose="03000509000000000000" pitchFamily="65" charset="-120"/>
+              </a:rPr>
+              <a:t>桶</a:t>
+            </a:r>
+            <a:r>
+              <a:rPr lang="en-US" altLang="zh-TW" b="1" dirty="0">
+                <a:latin typeface="標楷體" panose="03000509000000000000" pitchFamily="65" charset="-120"/>
+                <a:ea typeface="標楷體" panose="03000509000000000000" pitchFamily="65" charset="-120"/>
+              </a:rPr>
+              <a:t>)</a:t>
+            </a:r>
+            <a:endParaRPr lang="zh-TW" altLang="en-US" b="1" dirty="0">
+              <a:latin typeface="標楷體" panose="03000509000000000000" pitchFamily="65" charset="-120"/>
+              <a:ea typeface="標楷體" panose="03000509000000000000" pitchFamily="65" charset="-120"/>
+            </a:endParaRPr>
+          </a:p>
+        </p:txBody>
+      </p:sp>
+      <p:sp>
+        <p:nvSpPr>
+          <p:cNvPr id="4" name="文字方塊 3"/>
+          <p:cNvSpPr txBox="1"/>
+          <p:nvPr/>
+        </p:nvSpPr>
+        <p:spPr>
+          <a:xfrm>
+            <a:off x="2615112" y="2698051"/>
+            <a:ext cx="1194665" cy="646331"/>
+          </a:xfrm>
+          <a:prstGeom prst="rect">
+            <a:avLst/>
+          </a:prstGeom>
+          <a:noFill/>
+        </p:spPr>
+        <p:txBody>
+          <a:bodyPr wrap="square" rtlCol="0">
+            <a:spAutoFit/>
+          </a:bodyPr>
+          <a:lstStyle/>
+          <a:p>
+            <a:r>
+              <a:rPr lang="zh-TW" altLang="en-US" dirty="0">
+                <a:latin typeface="標楷體" panose="03000509000000000000" pitchFamily="65" charset="-120"/>
+                <a:ea typeface="標楷體" panose="03000509000000000000" pitchFamily="65" charset="-120"/>
+              </a:rPr>
+              <a:t>連接設定好的網路</a:t>
+            </a:r>
+          </a:p>
+        </p:txBody>
+      </p:sp>
+      <p:sp>
+        <p:nvSpPr>
+          <p:cNvPr id="7" name="文字方塊 6"/>
+          <p:cNvSpPr txBox="1"/>
+          <p:nvPr/>
+        </p:nvSpPr>
+        <p:spPr>
+          <a:xfrm>
+            <a:off x="868680" y="455102"/>
+            <a:ext cx="3027419" cy="707886"/>
+          </a:xfrm>
+          <a:prstGeom prst="rect">
+            <a:avLst/>
+          </a:prstGeom>
+          <a:noFill/>
+        </p:spPr>
+        <p:txBody>
+          <a:bodyPr wrap="square" rtlCol="0">
+            <a:spAutoFit/>
+          </a:bodyPr>
+          <a:lstStyle/>
+          <a:p>
+            <a:r>
+              <a:rPr lang="zh-TW" altLang="en-US" sz="4000" b="1" dirty="0">
+                <a:latin typeface="標楷體" panose="03000509000000000000" pitchFamily="65" charset="-120"/>
+                <a:ea typeface="標楷體" panose="03000509000000000000" pitchFamily="65" charset="-120"/>
+              </a:rPr>
+              <a:t>操作流程</a:t>
+            </a:r>
+          </a:p>
+        </p:txBody>
+      </p:sp>
       <p:pic>
         <p:nvPicPr>
-          <p:cNvPr id="11" name="圖片 10">
-            <a:extLst>
-              <a:ext uri="{FF2B5EF4-FFF2-40B4-BE49-F238E27FC236}">
-                <a16:creationId xmlns:a16="http://schemas.microsoft.com/office/drawing/2014/main" id="{02060730-B362-42A0-BABD-05BFEB3101FE}"/>
-              </a:ext>
-            </a:extLst>
-          </p:cNvPr>
+          <p:cNvPr id="27" name="圖片 26"/>
           <p:cNvPicPr>
             <a:picLocks noChangeAspect="1"/>
           </p:cNvPicPr>
           <p:nvPr/>
         </p:nvPicPr>
         <p:blipFill rotWithShape="1">
-          <a:blip r:embed="rId3">
+          <a:blip r:embed="rId4" cstate="hqprint">
             <a:extLst>
               <a:ext uri="{28A0092B-C50C-407E-A947-70E740481C1C}">
                 <a14:useLocalDpi xmlns:a14="http://schemas.microsoft.com/office/drawing/2010/main" val="0"/>
               </a:ext>
             </a:extLst>
           </a:blip>
-          <a:srcRect l="23437" r="25648"/>
+          <a:srcRect l="24990" t="1650" r="24514" b="-1650"/>
           <a:stretch/>
         </p:blipFill>
         <p:spPr>
           <a:xfrm>
-            <a:off x="3918878" y="837505"/>
-            <a:ext cx="2038768" cy="2768973"/>
+            <a:off x="6467884" y="1472661"/>
+            <a:ext cx="1655606" cy="2267256"/>
           </a:xfrm>
           <a:prstGeom prst="rect">
             <a:avLst/>
@@ -4270,20 +3834,14 @@
       </p:pic>
       <p:sp>
         <p:nvSpPr>
-          <p:cNvPr id="12" name="文字方塊 11">
-            <a:extLst>
-              <a:ext uri="{FF2B5EF4-FFF2-40B4-BE49-F238E27FC236}">
-                <a16:creationId xmlns:a16="http://schemas.microsoft.com/office/drawing/2014/main" id="{09C39764-9BB7-4BEC-9673-0C97BCA22102}"/>
-              </a:ext>
-            </a:extLst>
-          </p:cNvPr>
+          <p:cNvPr id="8" name="文字方塊 7"/>
           <p:cNvSpPr txBox="1"/>
           <p:nvPr/>
         </p:nvSpPr>
         <p:spPr>
           <a:xfrm>
-            <a:off x="5957646" y="2298945"/>
-            <a:ext cx="1318846" cy="369332"/>
+            <a:off x="6440831" y="3688520"/>
+            <a:ext cx="1677322" cy="646331"/>
           </a:xfrm>
           <a:prstGeom prst="rect">
             <a:avLst/>
@@ -4297,21 +3855,21 @@
           <a:lstStyle/>
           <a:p>
             <a:r>
-              <a:rPr lang="zh-TW" altLang="en-US" dirty="0">
-                <a:latin typeface="標楷體" panose="03000509000000000000" pitchFamily="65" charset="-120"/>
-                <a:ea typeface="標楷體" panose="03000509000000000000" pitchFamily="65" charset="-120"/>
-              </a:rPr>
-              <a:t>查詢完畢</a:t>
-            </a:r>
-          </a:p>
-        </p:txBody>
-      </p:sp>
-      <p:sp>
-        <p:nvSpPr>
-          <p:cNvPr id="13" name="矩形 12">
-            <a:extLst>
-              <a:ext uri="{FF2B5EF4-FFF2-40B4-BE49-F238E27FC236}">
-                <a16:creationId xmlns:a16="http://schemas.microsoft.com/office/drawing/2014/main" id="{742AB3D8-E547-4FCB-B248-3A4A82A86673}"/>
+              <a:rPr lang="zh-TW" altLang="en-US" b="1" dirty="0">
+                <a:latin typeface="標楷體" panose="03000509000000000000" pitchFamily="65" charset="-120"/>
+                <a:ea typeface="標楷體" panose="03000509000000000000" pitchFamily="65" charset="-120"/>
+              </a:rPr>
+              <a:t>資料上傳雲端，等待計算結果</a:t>
+            </a:r>
+          </a:p>
+        </p:txBody>
+      </p:sp>
+      <p:sp>
+        <p:nvSpPr>
+          <p:cNvPr id="28" name="箭號: 向右 19">
+            <a:extLst>
+              <a:ext uri="{FF2B5EF4-FFF2-40B4-BE49-F238E27FC236}">
+                <a16:creationId xmlns:a16="http://schemas.microsoft.com/office/drawing/2014/main" id="{EA03BA1F-3E34-4844-B6B0-E1C0234CB25C}"/>
               </a:ext>
             </a:extLst>
           </p:cNvPr>
@@ -4320,45 +3878,8 @@
         </p:nvSpPr>
         <p:spPr>
           <a:xfrm>
-            <a:off x="4235950" y="3673741"/>
-            <a:ext cx="1721696" cy="923330"/>
-          </a:xfrm>
-          <a:prstGeom prst="rect">
-            <a:avLst/>
-          </a:prstGeom>
-        </p:spPr>
-        <p:txBody>
-          <a:bodyPr wrap="square">
-            <a:spAutoFit/>
-          </a:bodyPr>
-          <a:lstStyle/>
-          <a:p>
-            <a:r>
-              <a:rPr lang="zh-TW" altLang="en-US" b="1" dirty="0">
-                <a:latin typeface="標楷體" panose="03000509000000000000" pitchFamily="65" charset="-120"/>
-                <a:ea typeface="標楷體" panose="03000509000000000000" pitchFamily="65" charset="-120"/>
-              </a:rPr>
-              <a:t>從雲端資料庫尋找資料中，等待搜尋結果</a:t>
-            </a:r>
-          </a:p>
-        </p:txBody>
-      </p:sp>
-      <p:sp>
-        <p:nvSpPr>
-          <p:cNvPr id="14" name="箭號: 向右 10">
-            <a:extLst>
-              <a:ext uri="{FF2B5EF4-FFF2-40B4-BE49-F238E27FC236}">
-                <a16:creationId xmlns:a16="http://schemas.microsoft.com/office/drawing/2014/main" id="{4D7C7C99-A83C-4345-B13B-8B4FA2D6A122}"/>
-              </a:ext>
-            </a:extLst>
-          </p:cNvPr>
-          <p:cNvSpPr/>
-          <p:nvPr/>
-        </p:nvSpPr>
-        <p:spPr>
-          <a:xfrm>
-            <a:off x="154509" y="2028993"/>
-            <a:ext cx="732459" cy="192999"/>
+            <a:off x="8165439" y="2436785"/>
+            <a:ext cx="865640" cy="188363"/>
           </a:xfrm>
           <a:prstGeom prst="rightArrow">
             <a:avLst/>
@@ -4389,73 +3910,203 @@
           </a:p>
         </p:txBody>
       </p:sp>
-      <p:sp>
-        <p:nvSpPr>
-          <p:cNvPr id="15" name="文字方塊 14">
-            <a:extLst>
-              <a:ext uri="{FF2B5EF4-FFF2-40B4-BE49-F238E27FC236}">
-                <a16:creationId xmlns:a16="http://schemas.microsoft.com/office/drawing/2014/main" id="{58EAFFBB-3F88-461B-8DA6-5B351A3E82EB}"/>
-              </a:ext>
-            </a:extLst>
-          </p:cNvPr>
-          <p:cNvSpPr txBox="1"/>
-          <p:nvPr/>
-        </p:nvSpPr>
-        <p:spPr>
-          <a:xfrm>
-            <a:off x="7479989" y="3700398"/>
-            <a:ext cx="2365130" cy="369332"/>
-          </a:xfrm>
-          <a:prstGeom prst="rect">
-            <a:avLst/>
-          </a:prstGeom>
-          <a:noFill/>
-        </p:spPr>
-        <p:txBody>
-          <a:bodyPr wrap="square" rtlCol="0">
-            <a:spAutoFit/>
-          </a:bodyPr>
-          <a:lstStyle/>
-          <a:p>
-            <a:r>
-              <a:rPr lang="zh-TW" altLang="en-US" b="1" dirty="0">
-                <a:latin typeface="標楷體" panose="03000509000000000000" pitchFamily="65" charset="-120"/>
-                <a:ea typeface="標楷體" panose="03000509000000000000" pitchFamily="65" charset="-120"/>
-              </a:rPr>
-              <a:t>詳細資料</a:t>
-            </a:r>
-          </a:p>
-        </p:txBody>
-      </p:sp>
       <p:pic>
         <p:nvPicPr>
-          <p:cNvPr id="17" name="圖片 16">
-            <a:extLst>
-              <a:ext uri="{FF2B5EF4-FFF2-40B4-BE49-F238E27FC236}">
-                <a16:creationId xmlns:a16="http://schemas.microsoft.com/office/drawing/2014/main" id="{F2C63F7A-4961-43A3-8F29-243B5E9C7511}"/>
-              </a:ext>
-            </a:extLst>
-          </p:cNvPr>
+          <p:cNvPr id="29" name="圖片 28"/>
           <p:cNvPicPr>
             <a:picLocks noChangeAspect="1"/>
           </p:cNvPicPr>
           <p:nvPr/>
         </p:nvPicPr>
         <p:blipFill rotWithShape="1">
-          <a:blip r:embed="rId4">
+          <a:blip r:embed="rId5">
             <a:extLst>
               <a:ext uri="{28A0092B-C50C-407E-A947-70E740481C1C}">
                 <a14:useLocalDpi xmlns:a14="http://schemas.microsoft.com/office/drawing/2010/main" val="0"/>
               </a:ext>
             </a:extLst>
           </a:blip>
-          <a:srcRect l="21569" r="24714"/>
+          <a:srcRect l="23607" r="27617"/>
           <a:stretch/>
         </p:blipFill>
         <p:spPr>
           <a:xfrm>
-            <a:off x="6931948" y="774463"/>
-            <a:ext cx="2248936" cy="2895055"/>
+            <a:off x="9073028" y="1433847"/>
+            <a:ext cx="1726290" cy="2447529"/>
+          </a:xfrm>
+          <a:prstGeom prst="rect">
+            <a:avLst/>
+          </a:prstGeom>
+        </p:spPr>
+      </p:pic>
+      <p:sp>
+        <p:nvSpPr>
+          <p:cNvPr id="30" name="矩形 29"/>
+          <p:cNvSpPr/>
+          <p:nvPr/>
+        </p:nvSpPr>
+        <p:spPr>
+          <a:xfrm>
+            <a:off x="9151343" y="3689510"/>
+            <a:ext cx="1569660" cy="369332"/>
+          </a:xfrm>
+          <a:prstGeom prst="rect">
+            <a:avLst/>
+          </a:prstGeom>
+        </p:spPr>
+        <p:txBody>
+          <a:bodyPr wrap="none">
+            <a:spAutoFit/>
+          </a:bodyPr>
+          <a:lstStyle/>
+          <a:p>
+            <a:r>
+              <a:rPr lang="zh-TW" altLang="en-US" b="1" dirty="0">
+                <a:latin typeface="標楷體" panose="03000509000000000000" pitchFamily="65" charset="-120"/>
+                <a:ea typeface="標楷體" panose="03000509000000000000" pitchFamily="65" charset="-120"/>
+              </a:rPr>
+              <a:t>計算結果頁面</a:t>
+            </a:r>
+          </a:p>
+        </p:txBody>
+      </p:sp>
+      <p:sp>
+        <p:nvSpPr>
+          <p:cNvPr id="31" name="矩形 30"/>
+          <p:cNvSpPr/>
+          <p:nvPr/>
+        </p:nvSpPr>
+        <p:spPr>
+          <a:xfrm>
+            <a:off x="5218884" y="2631705"/>
+            <a:ext cx="1338828" cy="369332"/>
+          </a:xfrm>
+          <a:prstGeom prst="rect">
+            <a:avLst/>
+          </a:prstGeom>
+        </p:spPr>
+        <p:txBody>
+          <a:bodyPr wrap="none">
+            <a:spAutoFit/>
+          </a:bodyPr>
+          <a:lstStyle/>
+          <a:p>
+            <a:r>
+              <a:rPr lang="zh-TW" altLang="en-US" dirty="0">
+                <a:latin typeface="標楷體" panose="03000509000000000000" pitchFamily="65" charset="-120"/>
+                <a:ea typeface="標楷體" panose="03000509000000000000" pitchFamily="65" charset="-120"/>
+              </a:rPr>
+              <a:t>按開始計算</a:t>
+            </a:r>
+          </a:p>
+        </p:txBody>
+      </p:sp>
+      <p:sp>
+        <p:nvSpPr>
+          <p:cNvPr id="32" name="矩形 31"/>
+          <p:cNvSpPr/>
+          <p:nvPr/>
+        </p:nvSpPr>
+        <p:spPr>
+          <a:xfrm>
+            <a:off x="10622340" y="2631705"/>
+            <a:ext cx="1569660" cy="369332"/>
+          </a:xfrm>
+          <a:prstGeom prst="rect">
+            <a:avLst/>
+          </a:prstGeom>
+        </p:spPr>
+        <p:txBody>
+          <a:bodyPr wrap="none">
+            <a:spAutoFit/>
+          </a:bodyPr>
+          <a:lstStyle/>
+          <a:p>
+            <a:r>
+              <a:rPr lang="zh-TW" altLang="en-US" b="1" dirty="0">
+                <a:latin typeface="標楷體" panose="03000509000000000000" pitchFamily="65" charset="-120"/>
+                <a:ea typeface="標楷體" panose="03000509000000000000" pitchFamily="65" charset="-120"/>
+              </a:rPr>
+              <a:t>選擇數量總和</a:t>
+            </a:r>
+          </a:p>
+        </p:txBody>
+      </p:sp>
+      <p:sp>
+        <p:nvSpPr>
+          <p:cNvPr id="33" name="箭號: 向右 19">
+            <a:extLst>
+              <a:ext uri="{FF2B5EF4-FFF2-40B4-BE49-F238E27FC236}">
+                <a16:creationId xmlns:a16="http://schemas.microsoft.com/office/drawing/2014/main" id="{EA03BA1F-3E34-4844-B6B0-E1C0234CB25C}"/>
+              </a:ext>
+            </a:extLst>
+          </p:cNvPr>
+          <p:cNvSpPr/>
+          <p:nvPr/>
+        </p:nvSpPr>
+        <p:spPr>
+          <a:xfrm>
+            <a:off x="10883216" y="2443342"/>
+            <a:ext cx="865640" cy="188363"/>
+          </a:xfrm>
+          <a:prstGeom prst="rightArrow">
+            <a:avLst/>
+          </a:prstGeom>
+        </p:spPr>
+        <p:style>
+          <a:lnRef idx="2">
+            <a:schemeClr val="dk1">
+              <a:shade val="50000"/>
+            </a:schemeClr>
+          </a:lnRef>
+          <a:fillRef idx="1">
+            <a:schemeClr val="dk1"/>
+          </a:fillRef>
+          <a:effectRef idx="0">
+            <a:schemeClr val="dk1"/>
+          </a:effectRef>
+          <a:fontRef idx="minor">
+            <a:schemeClr val="lt1"/>
+          </a:fontRef>
+        </p:style>
+        <p:txBody>
+          <a:bodyPr rtlCol="0" anchor="ctr"/>
+          <a:lstStyle/>
+          <a:p>
+            <a:pPr algn="ctr"/>
+            <a:endParaRPr lang="zh-TW" altLang="en-US"/>
+          </a:p>
+        </p:txBody>
+      </p:sp>
+      <p:pic>
+        <p:nvPicPr>
+          <p:cNvPr id="6" name="圖片 5">
+            <a:extLst>
+              <a:ext uri="{FF2B5EF4-FFF2-40B4-BE49-F238E27FC236}">
+                <a16:creationId xmlns:a16="http://schemas.microsoft.com/office/drawing/2014/main" id="{79DD43C6-B1E0-42DB-81D2-FFFAE4037EDE}"/>
+              </a:ext>
+            </a:extLst>
+          </p:cNvPr>
+          <p:cNvPicPr>
+            <a:picLocks noChangeAspect="1"/>
+          </p:cNvPicPr>
+          <p:nvPr/>
+        </p:nvPicPr>
+        <p:blipFill rotWithShape="1">
+          <a:blip r:embed="rId6">
+            <a:extLst>
+              <a:ext uri="{28A0092B-C50C-407E-A947-70E740481C1C}">
+                <a14:useLocalDpi xmlns:a14="http://schemas.microsoft.com/office/drawing/2010/main" val="0"/>
+              </a:ext>
+            </a:extLst>
+          </a:blip>
+          <a:srcRect l="23441" r="24696"/>
+          <a:stretch/>
+        </p:blipFill>
+        <p:spPr>
+          <a:xfrm>
+            <a:off x="3653993" y="1486677"/>
+            <a:ext cx="1679440" cy="2239223"/>
           </a:xfrm>
           <a:prstGeom prst="rect">
             <a:avLst/>
@@ -4465,7 +4116,7 @@
     </p:spTree>
     <p:extLst>
       <p:ext uri="{BB962C8B-B14F-4D97-AF65-F5344CB8AC3E}">
-        <p14:creationId xmlns:p14="http://schemas.microsoft.com/office/powerpoint/2010/main" val="2347578021"/>
+        <p14:creationId xmlns:p14="http://schemas.microsoft.com/office/powerpoint/2010/main" val="430913420"/>
       </p:ext>
     </p:extLst>
   </p:cSld>
@@ -4494,13 +4145,13 @@
       </p:grpSpPr>
       <p:pic>
         <p:nvPicPr>
-          <p:cNvPr id="6" name="圖片 5"/>
+          <p:cNvPr id="5" name="圖片 4"/>
           <p:cNvPicPr>
             <a:picLocks noChangeAspect="1"/>
           </p:cNvPicPr>
           <p:nvPr/>
         </p:nvPicPr>
-        <p:blipFill>
+        <p:blipFill rotWithShape="1">
           <a:blip r:embed="rId2">
             <a:extLst>
               <a:ext uri="{28A0092B-C50C-407E-A947-70E740481C1C}">
@@ -4508,96 +4159,29 @@
               </a:ext>
             </a:extLst>
           </a:blip>
-          <a:stretch>
-            <a:fillRect/>
-          </a:stretch>
+          <a:srcRect l="23327" r="25268"/>
+          <a:stretch/>
         </p:blipFill>
         <p:spPr>
           <a:xfrm>
-            <a:off x="2303288" y="731520"/>
-            <a:ext cx="6239680" cy="4314726"/>
+            <a:off x="886968" y="859536"/>
+            <a:ext cx="2025647" cy="2724912"/>
           </a:xfrm>
           <a:prstGeom prst="rect">
             <a:avLst/>
           </a:prstGeom>
         </p:spPr>
       </p:pic>
-      <p:cxnSp>
-        <p:nvCxnSpPr>
-          <p:cNvPr id="7" name="直線單箭頭接點 6"/>
-          <p:cNvCxnSpPr/>
-          <p:nvPr/>
-        </p:nvCxnSpPr>
-        <p:spPr>
-          <a:xfrm flipV="1">
-            <a:off x="3392424" y="1757161"/>
-            <a:ext cx="923013" cy="25919"/>
-          </a:xfrm>
-          <a:prstGeom prst="straightConnector1">
-            <a:avLst/>
-          </a:prstGeom>
-          <a:ln>
-            <a:tailEnd type="triangle"/>
-          </a:ln>
-        </p:spPr>
-        <p:style>
-          <a:lnRef idx="3">
-            <a:schemeClr val="dk1"/>
-          </a:lnRef>
-          <a:fillRef idx="0">
-            <a:schemeClr val="dk1"/>
-          </a:fillRef>
-          <a:effectRef idx="2">
-            <a:schemeClr val="dk1"/>
-          </a:effectRef>
-          <a:fontRef idx="minor">
-            <a:schemeClr val="tx1"/>
-          </a:fontRef>
-        </p:style>
-      </p:cxnSp>
-      <p:cxnSp>
-        <p:nvCxnSpPr>
-          <p:cNvPr id="9" name="直線單箭頭接點 8"/>
-          <p:cNvCxnSpPr/>
-          <p:nvPr/>
-        </p:nvCxnSpPr>
-        <p:spPr>
-          <a:xfrm flipH="1">
-            <a:off x="6336261" y="1490472"/>
-            <a:ext cx="936691" cy="138673"/>
-          </a:xfrm>
-          <a:prstGeom prst="straightConnector1">
-            <a:avLst/>
-          </a:prstGeom>
-          <a:ln>
-            <a:tailEnd type="triangle"/>
-          </a:ln>
-        </p:spPr>
-        <p:style>
-          <a:lnRef idx="3">
-            <a:schemeClr val="dk1"/>
-          </a:lnRef>
-          <a:fillRef idx="0">
-            <a:schemeClr val="dk1"/>
-          </a:fillRef>
-          <a:effectRef idx="2">
-            <a:schemeClr val="dk1"/>
-          </a:effectRef>
-          <a:fontRef idx="minor">
-            <a:schemeClr val="tx1"/>
-          </a:fontRef>
-        </p:style>
-      </p:cxnSp>
-      <p:sp>
-        <p:nvSpPr>
-          <p:cNvPr id="11" name="文字方塊 10"/>
+      <p:sp>
+        <p:nvSpPr>
+          <p:cNvPr id="6" name="文字方塊 5"/>
           <p:cNvSpPr txBox="1"/>
           <p:nvPr/>
         </p:nvSpPr>
         <p:spPr>
           <a:xfrm>
-            <a:off x="7272952" y="1167306"/>
-            <a:ext cx="1194392" cy="646331"/>
+            <a:off x="1085975" y="3584448"/>
+            <a:ext cx="1627632" cy="646331"/>
           </a:xfrm>
           <a:prstGeom prst="rect">
             <a:avLst/>
@@ -4615,21 +4199,73 @@
                 <a:latin typeface="標楷體" panose="03000509000000000000" pitchFamily="65" charset="-120"/>
                 <a:ea typeface="標楷體" panose="03000509000000000000" pitchFamily="65" charset="-120"/>
               </a:rPr>
-              <a:t>點選後開始計算</a:t>
-            </a:r>
-          </a:p>
-        </p:txBody>
-      </p:sp>
-      <p:sp>
-        <p:nvSpPr>
-          <p:cNvPr id="12" name="文字方塊 11"/>
+              <a:t>所有桶子裡蝦子的數量之和</a:t>
+            </a:r>
+          </a:p>
+        </p:txBody>
+      </p:sp>
+      <p:sp>
+        <p:nvSpPr>
+          <p:cNvPr id="4" name="箭號: 向右 10">
+            <a:extLst>
+              <a:ext uri="{FF2B5EF4-FFF2-40B4-BE49-F238E27FC236}">
+                <a16:creationId xmlns:a16="http://schemas.microsoft.com/office/drawing/2014/main" id="{F987A5C5-5832-4569-AED6-BBE0C264EC1B}"/>
+              </a:ext>
+            </a:extLst>
+          </p:cNvPr>
+          <p:cNvSpPr/>
+          <p:nvPr/>
+        </p:nvSpPr>
+        <p:spPr>
+          <a:xfrm>
+            <a:off x="3065735" y="2028993"/>
+            <a:ext cx="732459" cy="192999"/>
+          </a:xfrm>
+          <a:prstGeom prst="rightArrow">
+            <a:avLst/>
+          </a:prstGeom>
+        </p:spPr>
+        <p:style>
+          <a:lnRef idx="2">
+            <a:schemeClr val="dk1">
+              <a:shade val="50000"/>
+            </a:schemeClr>
+          </a:lnRef>
+          <a:fillRef idx="1">
+            <a:schemeClr val="dk1"/>
+          </a:fillRef>
+          <a:effectRef idx="0">
+            <a:schemeClr val="dk1"/>
+          </a:effectRef>
+          <a:fontRef idx="minor">
+            <a:schemeClr val="lt1"/>
+          </a:fontRef>
+        </p:style>
+        <p:txBody>
+          <a:bodyPr rtlCol="0" anchor="ctr"/>
+          <a:lstStyle/>
+          <a:p>
+            <a:pPr algn="ctr"/>
+            <a:endParaRPr lang="zh-TW" altLang="en-US"/>
+          </a:p>
+        </p:txBody>
+      </p:sp>
+      <p:sp>
+        <p:nvSpPr>
+          <p:cNvPr id="2" name="文字方塊 1">
+            <a:extLst>
+              <a:ext uri="{FF2B5EF4-FFF2-40B4-BE49-F238E27FC236}">
+                <a16:creationId xmlns:a16="http://schemas.microsoft.com/office/drawing/2014/main" id="{DD3CA3DA-624C-4E01-BEBC-FD6ABF14F49D}"/>
+              </a:ext>
+            </a:extLst>
+          </p:cNvPr>
           <p:cNvSpPr txBox="1"/>
           <p:nvPr/>
         </p:nvSpPr>
         <p:spPr>
           <a:xfrm>
-            <a:off x="2243787" y="1532757"/>
-            <a:ext cx="1406308" cy="646331"/>
+            <a:off x="2912615" y="2221992"/>
+            <a:ext cx="1140639" cy="646331"/>
           </a:xfrm>
           <a:prstGeom prst="rect">
             <a:avLst/>
@@ -4643,130 +4279,112 @@
           <a:lstStyle/>
           <a:p>
             <a:r>
-              <a:rPr lang="zh-TW" altLang="en-US" b="1" dirty="0">
-                <a:latin typeface="標楷體" panose="03000509000000000000" pitchFamily="65" charset="-120"/>
-                <a:ea typeface="標楷體" panose="03000509000000000000" pitchFamily="65" charset="-120"/>
-              </a:rPr>
-              <a:t>輸入桶數</a:t>
-            </a:r>
-            <a:r>
-              <a:rPr lang="en-US" altLang="zh-TW" b="1" dirty="0">
-                <a:latin typeface="標楷體" panose="03000509000000000000" pitchFamily="65" charset="-120"/>
-                <a:ea typeface="標楷體" panose="03000509000000000000" pitchFamily="65" charset="-120"/>
-              </a:rPr>
-              <a:t>(</a:t>
-            </a:r>
-            <a:r>
-              <a:rPr lang="zh-TW" altLang="en-US" b="1" dirty="0">
-                <a:latin typeface="標楷體" panose="03000509000000000000" pitchFamily="65" charset="-120"/>
-                <a:ea typeface="標楷體" panose="03000509000000000000" pitchFamily="65" charset="-120"/>
-              </a:rPr>
-              <a:t>預設為</a:t>
-            </a:r>
-            <a:r>
-              <a:rPr lang="en-US" altLang="zh-TW" b="1" dirty="0">
-                <a:latin typeface="標楷體" panose="03000509000000000000" pitchFamily="65" charset="-120"/>
-                <a:ea typeface="標楷體" panose="03000509000000000000" pitchFamily="65" charset="-120"/>
-              </a:rPr>
-              <a:t>2</a:t>
-            </a:r>
-            <a:r>
-              <a:rPr lang="zh-TW" altLang="en-US" b="1" dirty="0">
-                <a:latin typeface="標楷體" panose="03000509000000000000" pitchFamily="65" charset="-120"/>
-                <a:ea typeface="標楷體" panose="03000509000000000000" pitchFamily="65" charset="-120"/>
-              </a:rPr>
-              <a:t>桶</a:t>
-            </a:r>
-            <a:r>
-              <a:rPr lang="en-US" altLang="zh-TW" b="1" dirty="0">
-                <a:latin typeface="標楷體" panose="03000509000000000000" pitchFamily="65" charset="-120"/>
-                <a:ea typeface="標楷體" panose="03000509000000000000" pitchFamily="65" charset="-120"/>
-              </a:rPr>
-              <a:t>)</a:t>
-            </a:r>
-            <a:endParaRPr lang="zh-TW" altLang="en-US" b="1" dirty="0">
-              <a:latin typeface="標楷體" panose="03000509000000000000" pitchFamily="65" charset="-120"/>
-              <a:ea typeface="標楷體" panose="03000509000000000000" pitchFamily="65" charset="-120"/>
-            </a:endParaRPr>
-          </a:p>
-        </p:txBody>
-      </p:sp>
-      <p:cxnSp>
-        <p:nvCxnSpPr>
-          <p:cNvPr id="14" name="直線單箭頭接點 13"/>
-          <p:cNvCxnSpPr/>
-          <p:nvPr/>
-        </p:nvCxnSpPr>
-        <p:spPr>
-          <a:xfrm flipH="1" flipV="1">
-            <a:off x="6336261" y="2310439"/>
-            <a:ext cx="936691" cy="131075"/>
-          </a:xfrm>
-          <a:prstGeom prst="straightConnector1">
-            <a:avLst/>
-          </a:prstGeom>
-          <a:ln>
-            <a:tailEnd type="triangle"/>
-          </a:ln>
+              <a:rPr lang="zh-TW" altLang="en-US" dirty="0">
+                <a:latin typeface="標楷體" panose="03000509000000000000" pitchFamily="65" charset="-120"/>
+                <a:ea typeface="標楷體" panose="03000509000000000000" pitchFamily="65" charset="-120"/>
+              </a:rPr>
+              <a:t>按下查看詳細</a:t>
+            </a:r>
+          </a:p>
+        </p:txBody>
+      </p:sp>
+      <p:sp>
+        <p:nvSpPr>
+          <p:cNvPr id="8" name="箭號: 向右 10">
+            <a:extLst>
+              <a:ext uri="{FF2B5EF4-FFF2-40B4-BE49-F238E27FC236}">
+                <a16:creationId xmlns:a16="http://schemas.microsoft.com/office/drawing/2014/main" id="{175E845F-5CCD-437C-85C8-00C568FB64DE}"/>
+              </a:ext>
+            </a:extLst>
+          </p:cNvPr>
+          <p:cNvSpPr/>
+          <p:nvPr/>
+        </p:nvSpPr>
+        <p:spPr>
+          <a:xfrm>
+            <a:off x="6154766" y="2028993"/>
+            <a:ext cx="732459" cy="192999"/>
+          </a:xfrm>
+          <a:prstGeom prst="rightArrow">
+            <a:avLst/>
+          </a:prstGeom>
         </p:spPr>
         <p:style>
-          <a:lnRef idx="3">
-            <a:schemeClr val="dk1"/>
+          <a:lnRef idx="2">
+            <a:schemeClr val="dk1">
+              <a:shade val="50000"/>
+            </a:schemeClr>
           </a:lnRef>
-          <a:fillRef idx="0">
+          <a:fillRef idx="1">
             <a:schemeClr val="dk1"/>
           </a:fillRef>
-          <a:effectRef idx="2">
+          <a:effectRef idx="0">
             <a:schemeClr val="dk1"/>
           </a:effectRef>
           <a:fontRef idx="minor">
-            <a:schemeClr val="tx1"/>
+            <a:schemeClr val="lt1"/>
           </a:fontRef>
         </p:style>
-      </p:cxnSp>
-      <p:cxnSp>
-        <p:nvCxnSpPr>
-          <p:cNvPr id="16" name="直線單箭頭接點 15"/>
-          <p:cNvCxnSpPr/>
-          <p:nvPr/>
-        </p:nvCxnSpPr>
-        <p:spPr>
-          <a:xfrm flipV="1">
-            <a:off x="3392424" y="2310440"/>
-            <a:ext cx="962769" cy="131074"/>
-          </a:xfrm>
-          <a:prstGeom prst="straightConnector1">
-            <a:avLst/>
-          </a:prstGeom>
-          <a:ln>
-            <a:tailEnd type="triangle"/>
-          </a:ln>
-        </p:spPr>
-        <p:style>
-          <a:lnRef idx="3">
-            <a:schemeClr val="dk1"/>
-          </a:lnRef>
-          <a:fillRef idx="0">
-            <a:schemeClr val="dk1"/>
-          </a:fillRef>
-          <a:effectRef idx="2">
-            <a:schemeClr val="dk1"/>
-          </a:effectRef>
-          <a:fontRef idx="minor">
-            <a:schemeClr val="tx1"/>
-          </a:fontRef>
-        </p:style>
-      </p:cxnSp>
-      <p:sp>
-        <p:nvSpPr>
-          <p:cNvPr id="21" name="文字方塊 20"/>
+        <p:txBody>
+          <a:bodyPr rtlCol="0" anchor="ctr"/>
+          <a:lstStyle/>
+          <a:p>
+            <a:pPr algn="ctr"/>
+            <a:endParaRPr lang="zh-TW" altLang="en-US"/>
+          </a:p>
+        </p:txBody>
+      </p:sp>
+      <p:pic>
+        <p:nvPicPr>
+          <p:cNvPr id="11" name="圖片 10">
+            <a:extLst>
+              <a:ext uri="{FF2B5EF4-FFF2-40B4-BE49-F238E27FC236}">
+                <a16:creationId xmlns:a16="http://schemas.microsoft.com/office/drawing/2014/main" id="{02060730-B362-42A0-BABD-05BFEB3101FE}"/>
+              </a:ext>
+            </a:extLst>
+          </p:cNvPr>
+          <p:cNvPicPr>
+            <a:picLocks noChangeAspect="1"/>
+          </p:cNvPicPr>
+          <p:nvPr/>
+        </p:nvPicPr>
+        <p:blipFill rotWithShape="1">
+          <a:blip r:embed="rId3">
+            <a:extLst>
+              <a:ext uri="{28A0092B-C50C-407E-A947-70E740481C1C}">
+                <a14:useLocalDpi xmlns:a14="http://schemas.microsoft.com/office/drawing/2010/main" val="0"/>
+              </a:ext>
+            </a:extLst>
+          </a:blip>
+          <a:srcRect l="23437" r="25648"/>
+          <a:stretch/>
+        </p:blipFill>
+        <p:spPr>
+          <a:xfrm>
+            <a:off x="3918878" y="837505"/>
+            <a:ext cx="2038768" cy="2768973"/>
+          </a:xfrm>
+          <a:prstGeom prst="rect">
+            <a:avLst/>
+          </a:prstGeom>
+        </p:spPr>
+      </p:pic>
+      <p:sp>
+        <p:nvSpPr>
+          <p:cNvPr id="12" name="文字方塊 11">
+            <a:extLst>
+              <a:ext uri="{FF2B5EF4-FFF2-40B4-BE49-F238E27FC236}">
+                <a16:creationId xmlns:a16="http://schemas.microsoft.com/office/drawing/2014/main" id="{09C39764-9BB7-4BEC-9673-0C97BCA22102}"/>
+              </a:ext>
+            </a:extLst>
+          </p:cNvPr>
           <p:cNvSpPr txBox="1"/>
           <p:nvPr/>
         </p:nvSpPr>
         <p:spPr>
           <a:xfrm>
-            <a:off x="7272952" y="2310439"/>
-            <a:ext cx="1307592" cy="646331"/>
+            <a:off x="5957646" y="2298945"/>
+            <a:ext cx="1318846" cy="369332"/>
           </a:xfrm>
           <a:prstGeom prst="rect">
             <a:avLst/>
@@ -4780,25 +4398,114 @@
           <a:lstStyle/>
           <a:p>
             <a:r>
+              <a:rPr lang="zh-TW" altLang="en-US" dirty="0">
+                <a:latin typeface="標楷體" panose="03000509000000000000" pitchFamily="65" charset="-120"/>
+                <a:ea typeface="標楷體" panose="03000509000000000000" pitchFamily="65" charset="-120"/>
+              </a:rPr>
+              <a:t>查詢完畢</a:t>
+            </a:r>
+          </a:p>
+        </p:txBody>
+      </p:sp>
+      <p:sp>
+        <p:nvSpPr>
+          <p:cNvPr id="13" name="矩形 12">
+            <a:extLst>
+              <a:ext uri="{FF2B5EF4-FFF2-40B4-BE49-F238E27FC236}">
+                <a16:creationId xmlns:a16="http://schemas.microsoft.com/office/drawing/2014/main" id="{742AB3D8-E547-4FCB-B248-3A4A82A86673}"/>
+              </a:ext>
+            </a:extLst>
+          </p:cNvPr>
+          <p:cNvSpPr/>
+          <p:nvPr/>
+        </p:nvSpPr>
+        <p:spPr>
+          <a:xfrm>
+            <a:off x="4235950" y="3673741"/>
+            <a:ext cx="1721696" cy="923330"/>
+          </a:xfrm>
+          <a:prstGeom prst="rect">
+            <a:avLst/>
+          </a:prstGeom>
+        </p:spPr>
+        <p:txBody>
+          <a:bodyPr wrap="square">
+            <a:spAutoFit/>
+          </a:bodyPr>
+          <a:lstStyle/>
+          <a:p>
+            <a:r>
               <a:rPr lang="zh-TW" altLang="en-US" b="1" dirty="0">
                 <a:latin typeface="標楷體" panose="03000509000000000000" pitchFamily="65" charset="-120"/>
                 <a:ea typeface="標楷體" panose="03000509000000000000" pitchFamily="65" charset="-120"/>
               </a:rPr>
-              <a:t>點一下會減少一桶</a:t>
-            </a:r>
-          </a:p>
-        </p:txBody>
-      </p:sp>
-      <p:sp>
-        <p:nvSpPr>
-          <p:cNvPr id="22" name="文字方塊 21"/>
+              <a:t>從雲端資料庫尋找資料中，等待搜尋結果</a:t>
+            </a:r>
+          </a:p>
+        </p:txBody>
+      </p:sp>
+      <p:sp>
+        <p:nvSpPr>
+          <p:cNvPr id="14" name="箭號: 向右 10">
+            <a:extLst>
+              <a:ext uri="{FF2B5EF4-FFF2-40B4-BE49-F238E27FC236}">
+                <a16:creationId xmlns:a16="http://schemas.microsoft.com/office/drawing/2014/main" id="{4D7C7C99-A83C-4345-B13B-8B4FA2D6A122}"/>
+              </a:ext>
+            </a:extLst>
+          </p:cNvPr>
+          <p:cNvSpPr/>
+          <p:nvPr/>
+        </p:nvSpPr>
+        <p:spPr>
+          <a:xfrm>
+            <a:off x="154509" y="2028993"/>
+            <a:ext cx="732459" cy="192999"/>
+          </a:xfrm>
+          <a:prstGeom prst="rightArrow">
+            <a:avLst/>
+          </a:prstGeom>
+        </p:spPr>
+        <p:style>
+          <a:lnRef idx="2">
+            <a:schemeClr val="dk1">
+              <a:shade val="50000"/>
+            </a:schemeClr>
+          </a:lnRef>
+          <a:fillRef idx="1">
+            <a:schemeClr val="dk1"/>
+          </a:fillRef>
+          <a:effectRef idx="0">
+            <a:schemeClr val="dk1"/>
+          </a:effectRef>
+          <a:fontRef idx="minor">
+            <a:schemeClr val="lt1"/>
+          </a:fontRef>
+        </p:style>
+        <p:txBody>
+          <a:bodyPr rtlCol="0" anchor="ctr"/>
+          <a:lstStyle/>
+          <a:p>
+            <a:pPr algn="ctr"/>
+            <a:endParaRPr lang="zh-TW" altLang="en-US"/>
+          </a:p>
+        </p:txBody>
+      </p:sp>
+      <p:sp>
+        <p:nvSpPr>
+          <p:cNvPr id="15" name="文字方塊 14">
+            <a:extLst>
+              <a:ext uri="{FF2B5EF4-FFF2-40B4-BE49-F238E27FC236}">
+                <a16:creationId xmlns:a16="http://schemas.microsoft.com/office/drawing/2014/main" id="{58EAFFBB-3F88-461B-8DA6-5B351A3E82EB}"/>
+              </a:ext>
+            </a:extLst>
+          </p:cNvPr>
           <p:cNvSpPr txBox="1"/>
           <p:nvPr/>
         </p:nvSpPr>
         <p:spPr>
           <a:xfrm>
-            <a:off x="2293143" y="2242552"/>
-            <a:ext cx="1280160" cy="646331"/>
+            <a:off x="7479989" y="3700398"/>
+            <a:ext cx="2365130" cy="369332"/>
           </a:xfrm>
           <a:prstGeom prst="rect">
             <a:avLst/>
@@ -4816,299 +4523,50 @@
                 <a:latin typeface="標楷體" panose="03000509000000000000" pitchFamily="65" charset="-120"/>
                 <a:ea typeface="標楷體" panose="03000509000000000000" pitchFamily="65" charset="-120"/>
               </a:rPr>
-              <a:t>點一下會增加一桶</a:t>
-            </a:r>
-          </a:p>
-        </p:txBody>
-      </p:sp>
-      <p:sp>
-        <p:nvSpPr>
-          <p:cNvPr id="23" name="文字方塊 22"/>
-          <p:cNvSpPr txBox="1"/>
-          <p:nvPr/>
-        </p:nvSpPr>
-        <p:spPr>
-          <a:xfrm>
-            <a:off x="1970610" y="3302877"/>
-            <a:ext cx="2384583" cy="369332"/>
+              <a:t>詳細資料</a:t>
+            </a:r>
+          </a:p>
+        </p:txBody>
+      </p:sp>
+      <p:pic>
+        <p:nvPicPr>
+          <p:cNvPr id="17" name="圖片 16">
+            <a:extLst>
+              <a:ext uri="{FF2B5EF4-FFF2-40B4-BE49-F238E27FC236}">
+                <a16:creationId xmlns:a16="http://schemas.microsoft.com/office/drawing/2014/main" id="{F2C63F7A-4961-43A3-8F29-243B5E9C7511}"/>
+              </a:ext>
+            </a:extLst>
+          </p:cNvPr>
+          <p:cNvPicPr>
+            <a:picLocks noChangeAspect="1"/>
+          </p:cNvPicPr>
+          <p:nvPr/>
+        </p:nvPicPr>
+        <p:blipFill rotWithShape="1">
+          <a:blip r:embed="rId4">
+            <a:extLst>
+              <a:ext uri="{28A0092B-C50C-407E-A947-70E740481C1C}">
+                <a14:useLocalDpi xmlns:a14="http://schemas.microsoft.com/office/drawing/2010/main" val="0"/>
+              </a:ext>
+            </a:extLst>
+          </a:blip>
+          <a:srcRect l="21569" r="24714"/>
+          <a:stretch/>
+        </p:blipFill>
+        <p:spPr>
+          <a:xfrm>
+            <a:off x="6931948" y="774463"/>
+            <a:ext cx="2248936" cy="2895055"/>
           </a:xfrm>
           <a:prstGeom prst="rect">
             <a:avLst/>
           </a:prstGeom>
-          <a:noFill/>
-        </p:spPr>
-        <p:txBody>
-          <a:bodyPr wrap="square" rtlCol="0">
-            <a:spAutoFit/>
-          </a:bodyPr>
-          <a:lstStyle/>
-          <a:p>
-            <a:r>
-              <a:rPr lang="zh-TW" altLang="en-US" b="1" dirty="0">
-                <a:latin typeface="標楷體" panose="03000509000000000000" pitchFamily="65" charset="-120"/>
-                <a:ea typeface="標楷體" panose="03000509000000000000" pitchFamily="65" charset="-120"/>
-              </a:rPr>
-              <a:t>輸入時間戳章</a:t>
-            </a:r>
-          </a:p>
-        </p:txBody>
-      </p:sp>
-      <p:cxnSp>
-        <p:nvCxnSpPr>
-          <p:cNvPr id="24" name="直線單箭頭接點 23"/>
-          <p:cNvCxnSpPr/>
-          <p:nvPr/>
-        </p:nvCxnSpPr>
-        <p:spPr>
-          <a:xfrm flipV="1">
-            <a:off x="3412301" y="3040174"/>
-            <a:ext cx="923013" cy="302129"/>
-          </a:xfrm>
-          <a:prstGeom prst="straightConnector1">
-            <a:avLst/>
-          </a:prstGeom>
-          <a:ln>
-            <a:tailEnd type="triangle"/>
-          </a:ln>
-        </p:spPr>
-        <p:style>
-          <a:lnRef idx="3">
-            <a:schemeClr val="dk1"/>
-          </a:lnRef>
-          <a:fillRef idx="0">
-            <a:schemeClr val="dk1"/>
-          </a:fillRef>
-          <a:effectRef idx="2">
-            <a:schemeClr val="dk1"/>
-          </a:effectRef>
-          <a:fontRef idx="minor">
-            <a:schemeClr val="tx1"/>
-          </a:fontRef>
-        </p:style>
-      </p:cxnSp>
-      <p:sp>
-        <p:nvSpPr>
-          <p:cNvPr id="26" name="文字方塊 25"/>
-          <p:cNvSpPr txBox="1"/>
-          <p:nvPr/>
-        </p:nvSpPr>
-        <p:spPr>
-          <a:xfrm>
-            <a:off x="7272952" y="3069390"/>
-            <a:ext cx="2787070" cy="646331"/>
-          </a:xfrm>
-          <a:prstGeom prst="rect">
-            <a:avLst/>
-          </a:prstGeom>
-          <a:noFill/>
-        </p:spPr>
-        <p:txBody>
-          <a:bodyPr wrap="square" rtlCol="0">
-            <a:spAutoFit/>
-          </a:bodyPr>
-          <a:lstStyle/>
-          <a:p>
-            <a:r>
-              <a:rPr lang="zh-TW" altLang="en-US" b="1" dirty="0">
-                <a:latin typeface="標楷體" panose="03000509000000000000" pitchFamily="65" charset="-120"/>
-                <a:ea typeface="標楷體" panose="03000509000000000000" pitchFamily="65" charset="-120"/>
-              </a:rPr>
-              <a:t>輸入完時間戳章之後按此按鈕可查看計算結果畫面</a:t>
-            </a:r>
-          </a:p>
-        </p:txBody>
-      </p:sp>
-      <p:cxnSp>
-        <p:nvCxnSpPr>
-          <p:cNvPr id="27" name="直線單箭頭接點 26"/>
-          <p:cNvCxnSpPr/>
-          <p:nvPr/>
-        </p:nvCxnSpPr>
-        <p:spPr>
-          <a:xfrm flipH="1" flipV="1">
-            <a:off x="6336262" y="3060164"/>
-            <a:ext cx="936690" cy="147900"/>
-          </a:xfrm>
-          <a:prstGeom prst="straightConnector1">
-            <a:avLst/>
-          </a:prstGeom>
-          <a:ln>
-            <a:tailEnd type="triangle"/>
-          </a:ln>
-        </p:spPr>
-        <p:style>
-          <a:lnRef idx="3">
-            <a:schemeClr val="dk1"/>
-          </a:lnRef>
-          <a:fillRef idx="0">
-            <a:schemeClr val="dk1"/>
-          </a:fillRef>
-          <a:effectRef idx="2">
-            <a:schemeClr val="dk1"/>
-          </a:effectRef>
-          <a:fontRef idx="minor">
-            <a:schemeClr val="tx1"/>
-          </a:fontRef>
-        </p:style>
-      </p:cxnSp>
-      <p:sp>
-        <p:nvSpPr>
-          <p:cNvPr id="29" name="文字方塊 28"/>
-          <p:cNvSpPr txBox="1"/>
-          <p:nvPr/>
-        </p:nvSpPr>
-        <p:spPr>
-          <a:xfrm>
-            <a:off x="645730" y="316628"/>
-            <a:ext cx="2649759" cy="707886"/>
-          </a:xfrm>
-          <a:prstGeom prst="rect">
-            <a:avLst/>
-          </a:prstGeom>
-          <a:noFill/>
-        </p:spPr>
-        <p:txBody>
-          <a:bodyPr wrap="square" rtlCol="0">
-            <a:spAutoFit/>
-          </a:bodyPr>
-          <a:lstStyle/>
-          <a:p>
-            <a:r>
-              <a:rPr lang="zh-TW" altLang="en-US" sz="4000" b="1" dirty="0">
-                <a:latin typeface="標楷體" panose="03000509000000000000" pitchFamily="65" charset="-120"/>
-                <a:ea typeface="標楷體" panose="03000509000000000000" pitchFamily="65" charset="-120"/>
-              </a:rPr>
-              <a:t>程式首頁</a:t>
-            </a:r>
-          </a:p>
-        </p:txBody>
-      </p:sp>
-      <p:sp>
-        <p:nvSpPr>
-          <p:cNvPr id="2" name="文字方塊 1">
-            <a:extLst>
-              <a:ext uri="{FF2B5EF4-FFF2-40B4-BE49-F238E27FC236}">
-                <a16:creationId xmlns:a16="http://schemas.microsoft.com/office/drawing/2014/main" id="{B48F92A3-BC4E-414A-AA50-B2EB355A72F6}"/>
-              </a:ext>
-            </a:extLst>
-          </p:cNvPr>
-          <p:cNvSpPr txBox="1"/>
-          <p:nvPr/>
-        </p:nvSpPr>
-        <p:spPr>
-          <a:xfrm>
-            <a:off x="4211684" y="1534250"/>
-            <a:ext cx="257054" cy="369332"/>
-          </a:xfrm>
-          <a:prstGeom prst="rect">
-            <a:avLst/>
-          </a:prstGeom>
-          <a:noFill/>
-        </p:spPr>
-        <p:txBody>
-          <a:bodyPr wrap="square" rtlCol="0">
-            <a:spAutoFit/>
-          </a:bodyPr>
-          <a:lstStyle/>
-          <a:p>
-            <a:r>
-              <a:rPr lang="en-US" altLang="zh-TW" b="1" dirty="0">
-                <a:latin typeface="標楷體" panose="03000509000000000000" pitchFamily="65" charset="-120"/>
-                <a:ea typeface="標楷體" panose="03000509000000000000" pitchFamily="65" charset="-120"/>
-              </a:rPr>
-              <a:t>2</a:t>
-            </a:r>
-            <a:endParaRPr lang="zh-TW" altLang="en-US" b="1" dirty="0">
-              <a:latin typeface="標楷體" panose="03000509000000000000" pitchFamily="65" charset="-120"/>
-              <a:ea typeface="標楷體" panose="03000509000000000000" pitchFamily="65" charset="-120"/>
-            </a:endParaRPr>
-          </a:p>
-        </p:txBody>
-      </p:sp>
-      <p:sp>
-        <p:nvSpPr>
-          <p:cNvPr id="3" name="文字方塊 2">
-            <a:extLst>
-              <a:ext uri="{FF2B5EF4-FFF2-40B4-BE49-F238E27FC236}">
-                <a16:creationId xmlns:a16="http://schemas.microsoft.com/office/drawing/2014/main" id="{FC15E98E-FFC2-4A61-BF31-AB042214DD2E}"/>
-              </a:ext>
-            </a:extLst>
-          </p:cNvPr>
-          <p:cNvSpPr txBox="1"/>
-          <p:nvPr/>
-        </p:nvSpPr>
-        <p:spPr>
-          <a:xfrm>
-            <a:off x="544961" y="4235671"/>
-            <a:ext cx="3105134" cy="1384995"/>
-          </a:xfrm>
-          <a:prstGeom prst="rect">
-            <a:avLst/>
-          </a:prstGeom>
-          <a:noFill/>
-        </p:spPr>
-        <p:txBody>
-          <a:bodyPr wrap="square" rtlCol="0">
-            <a:spAutoFit/>
-          </a:bodyPr>
-          <a:lstStyle/>
-          <a:p>
-            <a:r>
-              <a:rPr lang="zh-TW" altLang="en-US" sz="2800" b="1" dirty="0">
-                <a:latin typeface="標楷體" panose="03000509000000000000" pitchFamily="65" charset="-120"/>
-                <a:ea typeface="標楷體" panose="03000509000000000000" pitchFamily="65" charset="-120"/>
-              </a:rPr>
-              <a:t>按鈕</a:t>
-            </a:r>
-            <a:r>
-              <a:rPr lang="en-US" altLang="zh-TW" sz="2800" b="1" dirty="0">
-                <a:latin typeface="標楷體" panose="03000509000000000000" pitchFamily="65" charset="-120"/>
-                <a:ea typeface="標楷體" panose="03000509000000000000" pitchFamily="65" charset="-120"/>
-              </a:rPr>
-              <a:t>:</a:t>
-            </a:r>
-            <a:r>
-              <a:rPr lang="zh-TW" altLang="en-US" sz="2800" b="1" dirty="0">
-                <a:latin typeface="標楷體" panose="03000509000000000000" pitchFamily="65" charset="-120"/>
-                <a:ea typeface="標楷體" panose="03000509000000000000" pitchFamily="65" charset="-120"/>
-              </a:rPr>
-              <a:t>開始計算、增加</a:t>
-            </a:r>
-            <a:r>
-              <a:rPr lang="en-US" altLang="zh-TW" sz="2800" b="1" dirty="0">
-                <a:latin typeface="標楷體" panose="03000509000000000000" pitchFamily="65" charset="-120"/>
-                <a:ea typeface="標楷體" panose="03000509000000000000" pitchFamily="65" charset="-120"/>
-              </a:rPr>
-              <a:t>1</a:t>
-            </a:r>
-            <a:r>
-              <a:rPr lang="zh-TW" altLang="en-US" sz="2800" b="1" dirty="0">
-                <a:latin typeface="標楷體" panose="03000509000000000000" pitchFamily="65" charset="-120"/>
-                <a:ea typeface="標楷體" panose="03000509000000000000" pitchFamily="65" charset="-120"/>
-              </a:rPr>
-              <a:t> 、減少</a:t>
-            </a:r>
-            <a:r>
-              <a:rPr lang="en-US" altLang="zh-TW" sz="2800" b="1" dirty="0">
-                <a:latin typeface="標楷體" panose="03000509000000000000" pitchFamily="65" charset="-120"/>
-                <a:ea typeface="標楷體" panose="03000509000000000000" pitchFamily="65" charset="-120"/>
-              </a:rPr>
-              <a:t>1</a:t>
-            </a:r>
-            <a:r>
-              <a:rPr lang="zh-TW" altLang="en-US" sz="2800" b="1" dirty="0">
-                <a:latin typeface="標楷體" panose="03000509000000000000" pitchFamily="65" charset="-120"/>
-                <a:ea typeface="標楷體" panose="03000509000000000000" pitchFamily="65" charset="-120"/>
-              </a:rPr>
-              <a:t> 、歷史紀錄</a:t>
-            </a:r>
-          </a:p>
-        </p:txBody>
-      </p:sp>
+        </p:spPr>
+      </p:pic>
     </p:spTree>
     <p:extLst>
       <p:ext uri="{BB962C8B-B14F-4D97-AF65-F5344CB8AC3E}">
-        <p14:creationId xmlns:p14="http://schemas.microsoft.com/office/powerpoint/2010/main" val="3156361520"/>
+        <p14:creationId xmlns:p14="http://schemas.microsoft.com/office/powerpoint/2010/main" val="2347578021"/>
       </p:ext>
     </p:extLst>
   </p:cSld>
@@ -5157,24 +4615,90 @@
         </p:blipFill>
         <p:spPr>
           <a:xfrm>
-            <a:off x="2118324" y="1024128"/>
-            <a:ext cx="6545616" cy="4526280"/>
+            <a:off x="2303288" y="731520"/>
+            <a:ext cx="6239680" cy="4314726"/>
           </a:xfrm>
           <a:prstGeom prst="rect">
             <a:avLst/>
           </a:prstGeom>
         </p:spPr>
       </p:pic>
-      <p:sp>
-        <p:nvSpPr>
-          <p:cNvPr id="7" name="文字方塊 6"/>
+      <p:cxnSp>
+        <p:nvCxnSpPr>
+          <p:cNvPr id="7" name="直線單箭頭接點 6"/>
+          <p:cNvCxnSpPr/>
+          <p:nvPr/>
+        </p:nvCxnSpPr>
+        <p:spPr>
+          <a:xfrm flipV="1">
+            <a:off x="3392424" y="1757161"/>
+            <a:ext cx="923013" cy="25919"/>
+          </a:xfrm>
+          <a:prstGeom prst="straightConnector1">
+            <a:avLst/>
+          </a:prstGeom>
+          <a:ln>
+            <a:tailEnd type="triangle"/>
+          </a:ln>
+        </p:spPr>
+        <p:style>
+          <a:lnRef idx="3">
+            <a:schemeClr val="dk1"/>
+          </a:lnRef>
+          <a:fillRef idx="0">
+            <a:schemeClr val="dk1"/>
+          </a:fillRef>
+          <a:effectRef idx="2">
+            <a:schemeClr val="dk1"/>
+          </a:effectRef>
+          <a:fontRef idx="minor">
+            <a:schemeClr val="tx1"/>
+          </a:fontRef>
+        </p:style>
+      </p:cxnSp>
+      <p:cxnSp>
+        <p:nvCxnSpPr>
+          <p:cNvPr id="9" name="直線單箭頭接點 8"/>
+          <p:cNvCxnSpPr/>
+          <p:nvPr/>
+        </p:nvCxnSpPr>
+        <p:spPr>
+          <a:xfrm flipH="1">
+            <a:off x="6336261" y="1490472"/>
+            <a:ext cx="936691" cy="138673"/>
+          </a:xfrm>
+          <a:prstGeom prst="straightConnector1">
+            <a:avLst/>
+          </a:prstGeom>
+          <a:ln>
+            <a:tailEnd type="triangle"/>
+          </a:ln>
+        </p:spPr>
+        <p:style>
+          <a:lnRef idx="3">
+            <a:schemeClr val="dk1"/>
+          </a:lnRef>
+          <a:fillRef idx="0">
+            <a:schemeClr val="dk1"/>
+          </a:fillRef>
+          <a:effectRef idx="2">
+            <a:schemeClr val="dk1"/>
+          </a:effectRef>
+          <a:fontRef idx="minor">
+            <a:schemeClr val="tx1"/>
+          </a:fontRef>
+        </p:style>
+      </p:cxnSp>
+      <p:sp>
+        <p:nvSpPr>
+          <p:cNvPr id="11" name="文字方塊 10"/>
           <p:cNvSpPr txBox="1"/>
           <p:nvPr/>
         </p:nvSpPr>
         <p:spPr>
           <a:xfrm>
-            <a:off x="7013448" y="3429000"/>
-            <a:ext cx="3044952" cy="646331"/>
+            <a:off x="7272952" y="1167306"/>
+            <a:ext cx="1194392" cy="646331"/>
           </a:xfrm>
           <a:prstGeom prst="rect">
             <a:avLst/>
@@ -5192,21 +4716,21 @@
                 <a:latin typeface="標楷體" panose="03000509000000000000" pitchFamily="65" charset="-120"/>
                 <a:ea typeface="標楷體" panose="03000509000000000000" pitchFamily="65" charset="-120"/>
               </a:rPr>
-              <a:t>在按下開始計算按鈕後，等待計算結果時跑出來的畫面</a:t>
-            </a:r>
-          </a:p>
-        </p:txBody>
-      </p:sp>
-      <p:sp>
-        <p:nvSpPr>
-          <p:cNvPr id="8" name="文字方塊 7"/>
+              <a:t>點選後開始計算</a:t>
+            </a:r>
+          </a:p>
+        </p:txBody>
+      </p:sp>
+      <p:sp>
+        <p:nvSpPr>
+          <p:cNvPr id="12" name="文字方塊 11"/>
           <p:cNvSpPr txBox="1"/>
           <p:nvPr/>
         </p:nvSpPr>
         <p:spPr>
           <a:xfrm>
-            <a:off x="723864" y="444258"/>
-            <a:ext cx="2953512" cy="707886"/>
+            <a:off x="2243787" y="1532757"/>
+            <a:ext cx="1406308" cy="646331"/>
           </a:xfrm>
           <a:prstGeom prst="rect">
             <a:avLst/>
@@ -5220,11 +4744,464 @@
           <a:lstStyle/>
           <a:p>
             <a:r>
+              <a:rPr lang="zh-TW" altLang="en-US" b="1" dirty="0">
+                <a:latin typeface="標楷體" panose="03000509000000000000" pitchFamily="65" charset="-120"/>
+                <a:ea typeface="標楷體" panose="03000509000000000000" pitchFamily="65" charset="-120"/>
+              </a:rPr>
+              <a:t>輸入桶數</a:t>
+            </a:r>
+            <a:r>
+              <a:rPr lang="en-US" altLang="zh-TW" b="1" dirty="0">
+                <a:latin typeface="標楷體" panose="03000509000000000000" pitchFamily="65" charset="-120"/>
+                <a:ea typeface="標楷體" panose="03000509000000000000" pitchFamily="65" charset="-120"/>
+              </a:rPr>
+              <a:t>(</a:t>
+            </a:r>
+            <a:r>
+              <a:rPr lang="zh-TW" altLang="en-US" b="1" dirty="0">
+                <a:latin typeface="標楷體" panose="03000509000000000000" pitchFamily="65" charset="-120"/>
+                <a:ea typeface="標楷體" panose="03000509000000000000" pitchFamily="65" charset="-120"/>
+              </a:rPr>
+              <a:t>預設為</a:t>
+            </a:r>
+            <a:r>
+              <a:rPr lang="en-US" altLang="zh-TW" b="1" dirty="0">
+                <a:latin typeface="標楷體" panose="03000509000000000000" pitchFamily="65" charset="-120"/>
+                <a:ea typeface="標楷體" panose="03000509000000000000" pitchFamily="65" charset="-120"/>
+              </a:rPr>
+              <a:t>2</a:t>
+            </a:r>
+            <a:r>
+              <a:rPr lang="zh-TW" altLang="en-US" b="1" dirty="0">
+                <a:latin typeface="標楷體" panose="03000509000000000000" pitchFamily="65" charset="-120"/>
+                <a:ea typeface="標楷體" panose="03000509000000000000" pitchFamily="65" charset="-120"/>
+              </a:rPr>
+              <a:t>桶</a:t>
+            </a:r>
+            <a:r>
+              <a:rPr lang="en-US" altLang="zh-TW" b="1" dirty="0">
+                <a:latin typeface="標楷體" panose="03000509000000000000" pitchFamily="65" charset="-120"/>
+                <a:ea typeface="標楷體" panose="03000509000000000000" pitchFamily="65" charset="-120"/>
+              </a:rPr>
+              <a:t>)</a:t>
+            </a:r>
+            <a:endParaRPr lang="zh-TW" altLang="en-US" b="1" dirty="0">
+              <a:latin typeface="標楷體" panose="03000509000000000000" pitchFamily="65" charset="-120"/>
+              <a:ea typeface="標楷體" panose="03000509000000000000" pitchFamily="65" charset="-120"/>
+            </a:endParaRPr>
+          </a:p>
+        </p:txBody>
+      </p:sp>
+      <p:cxnSp>
+        <p:nvCxnSpPr>
+          <p:cNvPr id="14" name="直線單箭頭接點 13"/>
+          <p:cNvCxnSpPr/>
+          <p:nvPr/>
+        </p:nvCxnSpPr>
+        <p:spPr>
+          <a:xfrm flipH="1" flipV="1">
+            <a:off x="6336261" y="2310439"/>
+            <a:ext cx="936691" cy="131075"/>
+          </a:xfrm>
+          <a:prstGeom prst="straightConnector1">
+            <a:avLst/>
+          </a:prstGeom>
+          <a:ln>
+            <a:tailEnd type="triangle"/>
+          </a:ln>
+        </p:spPr>
+        <p:style>
+          <a:lnRef idx="3">
+            <a:schemeClr val="dk1"/>
+          </a:lnRef>
+          <a:fillRef idx="0">
+            <a:schemeClr val="dk1"/>
+          </a:fillRef>
+          <a:effectRef idx="2">
+            <a:schemeClr val="dk1"/>
+          </a:effectRef>
+          <a:fontRef idx="minor">
+            <a:schemeClr val="tx1"/>
+          </a:fontRef>
+        </p:style>
+      </p:cxnSp>
+      <p:cxnSp>
+        <p:nvCxnSpPr>
+          <p:cNvPr id="16" name="直線單箭頭接點 15"/>
+          <p:cNvCxnSpPr/>
+          <p:nvPr/>
+        </p:nvCxnSpPr>
+        <p:spPr>
+          <a:xfrm flipV="1">
+            <a:off x="3392424" y="2310440"/>
+            <a:ext cx="962769" cy="131074"/>
+          </a:xfrm>
+          <a:prstGeom prst="straightConnector1">
+            <a:avLst/>
+          </a:prstGeom>
+          <a:ln>
+            <a:tailEnd type="triangle"/>
+          </a:ln>
+        </p:spPr>
+        <p:style>
+          <a:lnRef idx="3">
+            <a:schemeClr val="dk1"/>
+          </a:lnRef>
+          <a:fillRef idx="0">
+            <a:schemeClr val="dk1"/>
+          </a:fillRef>
+          <a:effectRef idx="2">
+            <a:schemeClr val="dk1"/>
+          </a:effectRef>
+          <a:fontRef idx="minor">
+            <a:schemeClr val="tx1"/>
+          </a:fontRef>
+        </p:style>
+      </p:cxnSp>
+      <p:sp>
+        <p:nvSpPr>
+          <p:cNvPr id="21" name="文字方塊 20"/>
+          <p:cNvSpPr txBox="1"/>
+          <p:nvPr/>
+        </p:nvSpPr>
+        <p:spPr>
+          <a:xfrm>
+            <a:off x="7272952" y="2310439"/>
+            <a:ext cx="1307592" cy="646331"/>
+          </a:xfrm>
+          <a:prstGeom prst="rect">
+            <a:avLst/>
+          </a:prstGeom>
+          <a:noFill/>
+        </p:spPr>
+        <p:txBody>
+          <a:bodyPr wrap="square" rtlCol="0">
+            <a:spAutoFit/>
+          </a:bodyPr>
+          <a:lstStyle/>
+          <a:p>
+            <a:r>
+              <a:rPr lang="zh-TW" altLang="en-US" b="1" dirty="0">
+                <a:latin typeface="標楷體" panose="03000509000000000000" pitchFamily="65" charset="-120"/>
+                <a:ea typeface="標楷體" panose="03000509000000000000" pitchFamily="65" charset="-120"/>
+              </a:rPr>
+              <a:t>點一下會減少一桶</a:t>
+            </a:r>
+          </a:p>
+        </p:txBody>
+      </p:sp>
+      <p:sp>
+        <p:nvSpPr>
+          <p:cNvPr id="22" name="文字方塊 21"/>
+          <p:cNvSpPr txBox="1"/>
+          <p:nvPr/>
+        </p:nvSpPr>
+        <p:spPr>
+          <a:xfrm>
+            <a:off x="2293143" y="2242552"/>
+            <a:ext cx="1280160" cy="646331"/>
+          </a:xfrm>
+          <a:prstGeom prst="rect">
+            <a:avLst/>
+          </a:prstGeom>
+          <a:noFill/>
+        </p:spPr>
+        <p:txBody>
+          <a:bodyPr wrap="square" rtlCol="0">
+            <a:spAutoFit/>
+          </a:bodyPr>
+          <a:lstStyle/>
+          <a:p>
+            <a:r>
+              <a:rPr lang="zh-TW" altLang="en-US" b="1" dirty="0">
+                <a:latin typeface="標楷體" panose="03000509000000000000" pitchFamily="65" charset="-120"/>
+                <a:ea typeface="標楷體" panose="03000509000000000000" pitchFamily="65" charset="-120"/>
+              </a:rPr>
+              <a:t>點一下會增加一桶</a:t>
+            </a:r>
+          </a:p>
+        </p:txBody>
+      </p:sp>
+      <p:sp>
+        <p:nvSpPr>
+          <p:cNvPr id="23" name="文字方塊 22"/>
+          <p:cNvSpPr txBox="1"/>
+          <p:nvPr/>
+        </p:nvSpPr>
+        <p:spPr>
+          <a:xfrm>
+            <a:off x="1970610" y="3302877"/>
+            <a:ext cx="2384583" cy="369332"/>
+          </a:xfrm>
+          <a:prstGeom prst="rect">
+            <a:avLst/>
+          </a:prstGeom>
+          <a:noFill/>
+        </p:spPr>
+        <p:txBody>
+          <a:bodyPr wrap="square" rtlCol="0">
+            <a:spAutoFit/>
+          </a:bodyPr>
+          <a:lstStyle/>
+          <a:p>
+            <a:r>
+              <a:rPr lang="zh-TW" altLang="en-US" b="1" dirty="0">
+                <a:latin typeface="標楷體" panose="03000509000000000000" pitchFamily="65" charset="-120"/>
+                <a:ea typeface="標楷體" panose="03000509000000000000" pitchFamily="65" charset="-120"/>
+              </a:rPr>
+              <a:t>輸入時間戳章</a:t>
+            </a:r>
+          </a:p>
+        </p:txBody>
+      </p:sp>
+      <p:cxnSp>
+        <p:nvCxnSpPr>
+          <p:cNvPr id="24" name="直線單箭頭接點 23"/>
+          <p:cNvCxnSpPr/>
+          <p:nvPr/>
+        </p:nvCxnSpPr>
+        <p:spPr>
+          <a:xfrm flipV="1">
+            <a:off x="3412301" y="3040174"/>
+            <a:ext cx="923013" cy="302129"/>
+          </a:xfrm>
+          <a:prstGeom prst="straightConnector1">
+            <a:avLst/>
+          </a:prstGeom>
+          <a:ln>
+            <a:tailEnd type="triangle"/>
+          </a:ln>
+        </p:spPr>
+        <p:style>
+          <a:lnRef idx="3">
+            <a:schemeClr val="dk1"/>
+          </a:lnRef>
+          <a:fillRef idx="0">
+            <a:schemeClr val="dk1"/>
+          </a:fillRef>
+          <a:effectRef idx="2">
+            <a:schemeClr val="dk1"/>
+          </a:effectRef>
+          <a:fontRef idx="minor">
+            <a:schemeClr val="tx1"/>
+          </a:fontRef>
+        </p:style>
+      </p:cxnSp>
+      <p:sp>
+        <p:nvSpPr>
+          <p:cNvPr id="26" name="文字方塊 25"/>
+          <p:cNvSpPr txBox="1"/>
+          <p:nvPr/>
+        </p:nvSpPr>
+        <p:spPr>
+          <a:xfrm>
+            <a:off x="7272952" y="3069390"/>
+            <a:ext cx="2787070" cy="646331"/>
+          </a:xfrm>
+          <a:prstGeom prst="rect">
+            <a:avLst/>
+          </a:prstGeom>
+          <a:noFill/>
+        </p:spPr>
+        <p:txBody>
+          <a:bodyPr wrap="square" rtlCol="0">
+            <a:spAutoFit/>
+          </a:bodyPr>
+          <a:lstStyle/>
+          <a:p>
+            <a:r>
+              <a:rPr lang="zh-TW" altLang="en-US" b="1" dirty="0">
+                <a:latin typeface="標楷體" panose="03000509000000000000" pitchFamily="65" charset="-120"/>
+                <a:ea typeface="標楷體" panose="03000509000000000000" pitchFamily="65" charset="-120"/>
+              </a:rPr>
+              <a:t>輸入完時間戳章之後按此按鈕可查看計算結果畫面</a:t>
+            </a:r>
+          </a:p>
+        </p:txBody>
+      </p:sp>
+      <p:cxnSp>
+        <p:nvCxnSpPr>
+          <p:cNvPr id="27" name="直線單箭頭接點 26"/>
+          <p:cNvCxnSpPr/>
+          <p:nvPr/>
+        </p:nvCxnSpPr>
+        <p:spPr>
+          <a:xfrm flipH="1" flipV="1">
+            <a:off x="6336262" y="3060164"/>
+            <a:ext cx="936690" cy="147900"/>
+          </a:xfrm>
+          <a:prstGeom prst="straightConnector1">
+            <a:avLst/>
+          </a:prstGeom>
+          <a:ln>
+            <a:tailEnd type="triangle"/>
+          </a:ln>
+        </p:spPr>
+        <p:style>
+          <a:lnRef idx="3">
+            <a:schemeClr val="dk1"/>
+          </a:lnRef>
+          <a:fillRef idx="0">
+            <a:schemeClr val="dk1"/>
+          </a:fillRef>
+          <a:effectRef idx="2">
+            <a:schemeClr val="dk1"/>
+          </a:effectRef>
+          <a:fontRef idx="minor">
+            <a:schemeClr val="tx1"/>
+          </a:fontRef>
+        </p:style>
+      </p:cxnSp>
+      <p:sp>
+        <p:nvSpPr>
+          <p:cNvPr id="29" name="文字方塊 28"/>
+          <p:cNvSpPr txBox="1"/>
+          <p:nvPr/>
+        </p:nvSpPr>
+        <p:spPr>
+          <a:xfrm>
+            <a:off x="645730" y="316628"/>
+            <a:ext cx="2649759" cy="707886"/>
+          </a:xfrm>
+          <a:prstGeom prst="rect">
+            <a:avLst/>
+          </a:prstGeom>
+          <a:noFill/>
+        </p:spPr>
+        <p:txBody>
+          <a:bodyPr wrap="square" rtlCol="0">
+            <a:spAutoFit/>
+          </a:bodyPr>
+          <a:lstStyle/>
+          <a:p>
+            <a:r>
               <a:rPr lang="zh-TW" altLang="en-US" sz="4000" b="1" dirty="0">
                 <a:latin typeface="標楷體" panose="03000509000000000000" pitchFamily="65" charset="-120"/>
                 <a:ea typeface="標楷體" panose="03000509000000000000" pitchFamily="65" charset="-120"/>
               </a:rPr>
-              <a:t>開始計算</a:t>
+              <a:t>程式首頁</a:t>
+            </a:r>
+          </a:p>
+        </p:txBody>
+      </p:sp>
+      <p:sp>
+        <p:nvSpPr>
+          <p:cNvPr id="2" name="文字方塊 1">
+            <a:extLst>
+              <a:ext uri="{FF2B5EF4-FFF2-40B4-BE49-F238E27FC236}">
+                <a16:creationId xmlns:a16="http://schemas.microsoft.com/office/drawing/2014/main" id="{B48F92A3-BC4E-414A-AA50-B2EB355A72F6}"/>
+              </a:ext>
+            </a:extLst>
+          </p:cNvPr>
+          <p:cNvSpPr txBox="1"/>
+          <p:nvPr/>
+        </p:nvSpPr>
+        <p:spPr>
+          <a:xfrm>
+            <a:off x="4211684" y="1534250"/>
+            <a:ext cx="257054" cy="369332"/>
+          </a:xfrm>
+          <a:prstGeom prst="rect">
+            <a:avLst/>
+          </a:prstGeom>
+          <a:noFill/>
+        </p:spPr>
+        <p:txBody>
+          <a:bodyPr wrap="square" rtlCol="0">
+            <a:spAutoFit/>
+          </a:bodyPr>
+          <a:lstStyle/>
+          <a:p>
+            <a:r>
+              <a:rPr lang="en-US" altLang="zh-TW" b="1" dirty="0">
+                <a:latin typeface="標楷體" panose="03000509000000000000" pitchFamily="65" charset="-120"/>
+                <a:ea typeface="標楷體" panose="03000509000000000000" pitchFamily="65" charset="-120"/>
+              </a:rPr>
+              <a:t>2</a:t>
+            </a:r>
+            <a:endParaRPr lang="zh-TW" altLang="en-US" b="1" dirty="0">
+              <a:latin typeface="標楷體" panose="03000509000000000000" pitchFamily="65" charset="-120"/>
+              <a:ea typeface="標楷體" panose="03000509000000000000" pitchFamily="65" charset="-120"/>
+            </a:endParaRPr>
+          </a:p>
+        </p:txBody>
+      </p:sp>
+      <p:sp>
+        <p:nvSpPr>
+          <p:cNvPr id="3" name="文字方塊 2">
+            <a:extLst>
+              <a:ext uri="{FF2B5EF4-FFF2-40B4-BE49-F238E27FC236}">
+                <a16:creationId xmlns:a16="http://schemas.microsoft.com/office/drawing/2014/main" id="{FC15E98E-FFC2-4A61-BF31-AB042214DD2E}"/>
+              </a:ext>
+            </a:extLst>
+          </p:cNvPr>
+          <p:cNvSpPr txBox="1"/>
+          <p:nvPr/>
+        </p:nvSpPr>
+        <p:spPr>
+          <a:xfrm>
+            <a:off x="544961" y="4235671"/>
+            <a:ext cx="3105134" cy="1384995"/>
+          </a:xfrm>
+          <a:prstGeom prst="rect">
+            <a:avLst/>
+          </a:prstGeom>
+          <a:noFill/>
+        </p:spPr>
+        <p:txBody>
+          <a:bodyPr wrap="square" rtlCol="0">
+            <a:spAutoFit/>
+          </a:bodyPr>
+          <a:lstStyle/>
+          <a:p>
+            <a:r>
+              <a:rPr lang="zh-TW" altLang="en-US" sz="2800" b="1" dirty="0">
+                <a:latin typeface="標楷體" panose="03000509000000000000" pitchFamily="65" charset="-120"/>
+                <a:ea typeface="標楷體" panose="03000509000000000000" pitchFamily="65" charset="-120"/>
+              </a:rPr>
+              <a:t>按鈕</a:t>
+            </a:r>
+            <a:r>
+              <a:rPr lang="en-US" altLang="zh-TW" sz="2800" b="1" dirty="0">
+                <a:latin typeface="標楷體" panose="03000509000000000000" pitchFamily="65" charset="-120"/>
+                <a:ea typeface="標楷體" panose="03000509000000000000" pitchFamily="65" charset="-120"/>
+              </a:rPr>
+              <a:t>:</a:t>
+            </a:r>
+            <a:r>
+              <a:rPr lang="zh-TW" altLang="en-US" sz="2800" b="1" dirty="0">
+                <a:latin typeface="標楷體" panose="03000509000000000000" pitchFamily="65" charset="-120"/>
+                <a:ea typeface="標楷體" panose="03000509000000000000" pitchFamily="65" charset="-120"/>
+              </a:rPr>
+              <a:t>開始計算、增加</a:t>
+            </a:r>
+            <a:r>
+              <a:rPr lang="en-US" altLang="zh-TW" sz="2800" b="1" dirty="0">
+                <a:latin typeface="標楷體" panose="03000509000000000000" pitchFamily="65" charset="-120"/>
+                <a:ea typeface="標楷體" panose="03000509000000000000" pitchFamily="65" charset="-120"/>
+              </a:rPr>
+              <a:t>1</a:t>
+            </a:r>
+            <a:r>
+              <a:rPr lang="zh-TW" altLang="en-US" sz="2800" b="1" dirty="0">
+                <a:latin typeface="標楷體" panose="03000509000000000000" pitchFamily="65" charset="-120"/>
+                <a:ea typeface="標楷體" panose="03000509000000000000" pitchFamily="65" charset="-120"/>
+              </a:rPr>
+              <a:t> 、減少</a:t>
+            </a:r>
+            <a:r>
+              <a:rPr lang="en-US" altLang="zh-TW" sz="2800" b="1" dirty="0">
+                <a:latin typeface="標楷體" panose="03000509000000000000" pitchFamily="65" charset="-120"/>
+                <a:ea typeface="標楷體" panose="03000509000000000000" pitchFamily="65" charset="-120"/>
+              </a:rPr>
+              <a:t>1</a:t>
+            </a:r>
+            <a:r>
+              <a:rPr lang="zh-TW" altLang="en-US" sz="2800" b="1" dirty="0">
+                <a:latin typeface="標楷體" panose="03000509000000000000" pitchFamily="65" charset="-120"/>
+                <a:ea typeface="標楷體" panose="03000509000000000000" pitchFamily="65" charset="-120"/>
+              </a:rPr>
+              <a:t> 、歷史紀錄</a:t>
             </a:r>
           </a:p>
         </p:txBody>
@@ -5232,7 +5209,7 @@
     </p:spTree>
     <p:extLst>
       <p:ext uri="{BB962C8B-B14F-4D97-AF65-F5344CB8AC3E}">
-        <p14:creationId xmlns:p14="http://schemas.microsoft.com/office/powerpoint/2010/main" val="3419550523"/>
+        <p14:creationId xmlns:p14="http://schemas.microsoft.com/office/powerpoint/2010/main" val="3156361520"/>
       </p:ext>
     </p:extLst>
   </p:cSld>
@@ -5259,41 +5236,9 @@
           <a:chExt cx="0" cy="0"/>
         </a:xfrm>
       </p:grpSpPr>
-      <p:sp>
-        <p:nvSpPr>
-          <p:cNvPr id="2" name="文字方塊 1"/>
-          <p:cNvSpPr txBox="1"/>
-          <p:nvPr/>
-        </p:nvSpPr>
-        <p:spPr>
-          <a:xfrm>
-            <a:off x="562955" y="312872"/>
-            <a:ext cx="3589554" cy="707886"/>
-          </a:xfrm>
-          <a:prstGeom prst="rect">
-            <a:avLst/>
-          </a:prstGeom>
-          <a:noFill/>
-        </p:spPr>
-        <p:txBody>
-          <a:bodyPr wrap="square" rtlCol="0">
-            <a:spAutoFit/>
-          </a:bodyPr>
-          <a:lstStyle/>
-          <a:p>
-            <a:r>
-              <a:rPr lang="zh-TW" altLang="en-US" sz="4000" b="1" dirty="0">
-                <a:latin typeface="標楷體" panose="03000509000000000000" pitchFamily="65" charset="-120"/>
-                <a:ea typeface="標楷體" panose="03000509000000000000" pitchFamily="65" charset="-120"/>
-              </a:rPr>
-              <a:t>計算結果畫面</a:t>
-            </a:r>
-          </a:p>
-        </p:txBody>
-      </p:sp>
       <p:pic>
         <p:nvPicPr>
-          <p:cNvPr id="3" name="圖片 2"/>
+          <p:cNvPr id="6" name="圖片 5"/>
           <p:cNvPicPr>
             <a:picLocks noChangeAspect="1"/>
           </p:cNvPicPr>
@@ -5313,421 +5258,24 @@
         </p:blipFill>
         <p:spPr>
           <a:xfrm>
-            <a:off x="2699762" y="1412191"/>
-            <a:ext cx="6730128" cy="4654199"/>
+            <a:off x="2118324" y="1024128"/>
+            <a:ext cx="6545616" cy="4526280"/>
           </a:xfrm>
           <a:prstGeom prst="rect">
             <a:avLst/>
           </a:prstGeom>
         </p:spPr>
       </p:pic>
-      <p:cxnSp>
-        <p:nvCxnSpPr>
-          <p:cNvPr id="17" name="直線單箭頭接點 16"/>
-          <p:cNvCxnSpPr/>
-          <p:nvPr/>
-        </p:nvCxnSpPr>
-        <p:spPr>
-          <a:xfrm flipV="1">
-            <a:off x="3867912" y="2344869"/>
-            <a:ext cx="1038389" cy="448876"/>
-          </a:xfrm>
-          <a:prstGeom prst="straightConnector1">
-            <a:avLst/>
-          </a:prstGeom>
-          <a:ln>
-            <a:tailEnd type="triangle"/>
-          </a:ln>
-        </p:spPr>
-        <p:style>
-          <a:lnRef idx="3">
-            <a:schemeClr val="dk1"/>
-          </a:lnRef>
-          <a:fillRef idx="0">
-            <a:schemeClr val="dk1"/>
-          </a:fillRef>
-          <a:effectRef idx="2">
-            <a:schemeClr val="dk1"/>
-          </a:effectRef>
-          <a:fontRef idx="minor">
-            <a:schemeClr val="tx1"/>
-          </a:fontRef>
-        </p:style>
-      </p:cxnSp>
-      <p:cxnSp>
-        <p:nvCxnSpPr>
-          <p:cNvPr id="19" name="直線單箭頭接點 18">
-            <a:extLst>
-              <a:ext uri="{FF2B5EF4-FFF2-40B4-BE49-F238E27FC236}">
-                <a16:creationId xmlns:a16="http://schemas.microsoft.com/office/drawing/2014/main" id="{8F7EA72C-F148-4DD9-9B2E-064C6A160273}"/>
-              </a:ext>
-            </a:extLst>
-          </p:cNvPr>
-          <p:cNvCxnSpPr>
-            <a:cxnSpLocks/>
-          </p:cNvCxnSpPr>
-          <p:nvPr/>
-        </p:nvCxnSpPr>
-        <p:spPr>
-          <a:xfrm flipH="1" flipV="1">
-            <a:off x="7168567" y="2368601"/>
-            <a:ext cx="587507" cy="425144"/>
-          </a:xfrm>
-          <a:prstGeom prst="straightConnector1">
-            <a:avLst/>
-          </a:prstGeom>
-          <a:ln>
-            <a:tailEnd type="triangle"/>
-          </a:ln>
-        </p:spPr>
-        <p:style>
-          <a:lnRef idx="3">
-            <a:schemeClr val="dk1"/>
-          </a:lnRef>
-          <a:fillRef idx="0">
-            <a:schemeClr val="dk1"/>
-          </a:fillRef>
-          <a:effectRef idx="2">
-            <a:schemeClr val="dk1"/>
-          </a:effectRef>
-          <a:fontRef idx="minor">
-            <a:schemeClr val="tx1"/>
-          </a:fontRef>
-        </p:style>
-      </p:cxnSp>
-      <p:cxnSp>
-        <p:nvCxnSpPr>
-          <p:cNvPr id="20" name="直線單箭頭接點 19">
-            <a:extLst>
-              <a:ext uri="{FF2B5EF4-FFF2-40B4-BE49-F238E27FC236}">
-                <a16:creationId xmlns:a16="http://schemas.microsoft.com/office/drawing/2014/main" id="{8F7EA72C-F148-4DD9-9B2E-064C6A160273}"/>
-              </a:ext>
-            </a:extLst>
-          </p:cNvPr>
-          <p:cNvCxnSpPr>
-            <a:cxnSpLocks/>
-          </p:cNvCxnSpPr>
-          <p:nvPr/>
-        </p:nvCxnSpPr>
-        <p:spPr>
-          <a:xfrm flipH="1" flipV="1">
-            <a:off x="7168567" y="4783181"/>
-            <a:ext cx="896440" cy="238358"/>
-          </a:xfrm>
-          <a:prstGeom prst="straightConnector1">
-            <a:avLst/>
-          </a:prstGeom>
-          <a:ln>
-            <a:tailEnd type="triangle"/>
-          </a:ln>
-        </p:spPr>
-        <p:style>
-          <a:lnRef idx="3">
-            <a:schemeClr val="dk1"/>
-          </a:lnRef>
-          <a:fillRef idx="0">
-            <a:schemeClr val="dk1"/>
-          </a:fillRef>
-          <a:effectRef idx="2">
-            <a:schemeClr val="dk1"/>
-          </a:effectRef>
-          <a:fontRef idx="minor">
-            <a:schemeClr val="tx1"/>
-          </a:fontRef>
-        </p:style>
-      </p:cxnSp>
-      <p:cxnSp>
-        <p:nvCxnSpPr>
-          <p:cNvPr id="22" name="直線單箭頭接點 21">
-            <a:extLst>
-              <a:ext uri="{FF2B5EF4-FFF2-40B4-BE49-F238E27FC236}">
-                <a16:creationId xmlns:a16="http://schemas.microsoft.com/office/drawing/2014/main" id="{8F7EA72C-F148-4DD9-9B2E-064C6A160273}"/>
-              </a:ext>
-            </a:extLst>
-          </p:cNvPr>
-          <p:cNvCxnSpPr>
-            <a:cxnSpLocks/>
-          </p:cNvCxnSpPr>
-          <p:nvPr/>
-        </p:nvCxnSpPr>
-        <p:spPr>
-          <a:xfrm flipV="1">
-            <a:off x="4152692" y="4895141"/>
-            <a:ext cx="701020" cy="421142"/>
-          </a:xfrm>
-          <a:prstGeom prst="straightConnector1">
-            <a:avLst/>
-          </a:prstGeom>
-          <a:ln>
-            <a:tailEnd type="triangle"/>
-          </a:ln>
-        </p:spPr>
-        <p:style>
-          <a:lnRef idx="3">
-            <a:schemeClr val="dk1"/>
-          </a:lnRef>
-          <a:fillRef idx="0">
-            <a:schemeClr val="dk1"/>
-          </a:fillRef>
-          <a:effectRef idx="2">
-            <a:schemeClr val="dk1"/>
-          </a:effectRef>
-          <a:fontRef idx="minor">
-            <a:schemeClr val="tx1"/>
-          </a:fontRef>
-        </p:style>
-      </p:cxnSp>
-      <p:cxnSp>
-        <p:nvCxnSpPr>
-          <p:cNvPr id="24" name="直線單箭頭接點 23"/>
-          <p:cNvCxnSpPr/>
-          <p:nvPr/>
-        </p:nvCxnSpPr>
-        <p:spPr>
-          <a:xfrm flipV="1">
-            <a:off x="4681728" y="4892808"/>
-            <a:ext cx="749936" cy="1173582"/>
-          </a:xfrm>
-          <a:prstGeom prst="straightConnector1">
-            <a:avLst/>
-          </a:prstGeom>
-          <a:ln>
-            <a:tailEnd type="triangle"/>
-          </a:ln>
-        </p:spPr>
-        <p:style>
-          <a:lnRef idx="3">
-            <a:schemeClr val="dk1"/>
-          </a:lnRef>
-          <a:fillRef idx="0">
-            <a:schemeClr val="dk1"/>
-          </a:fillRef>
-          <a:effectRef idx="2">
-            <a:schemeClr val="dk1"/>
-          </a:effectRef>
-          <a:fontRef idx="minor">
-            <a:schemeClr val="tx1"/>
-          </a:fontRef>
-        </p:style>
-      </p:cxnSp>
-      <p:cxnSp>
-        <p:nvCxnSpPr>
-          <p:cNvPr id="26" name="直線單箭頭接點 25"/>
-          <p:cNvCxnSpPr/>
-          <p:nvPr/>
-        </p:nvCxnSpPr>
-        <p:spPr>
-          <a:xfrm flipH="1" flipV="1">
-            <a:off x="6962230" y="3932790"/>
-            <a:ext cx="1313090" cy="325922"/>
-          </a:xfrm>
-          <a:prstGeom prst="straightConnector1">
-            <a:avLst/>
-          </a:prstGeom>
-          <a:ln>
-            <a:tailEnd type="triangle"/>
-          </a:ln>
-        </p:spPr>
-        <p:style>
-          <a:lnRef idx="3">
-            <a:schemeClr val="dk1"/>
-          </a:lnRef>
-          <a:fillRef idx="0">
-            <a:schemeClr val="dk1"/>
-          </a:fillRef>
-          <a:effectRef idx="2">
-            <a:schemeClr val="dk1"/>
-          </a:effectRef>
-          <a:fontRef idx="minor">
-            <a:schemeClr val="tx1"/>
-          </a:fontRef>
-        </p:style>
-      </p:cxnSp>
-      <p:sp>
-        <p:nvSpPr>
-          <p:cNvPr id="18" name="矩形 17"/>
-          <p:cNvSpPr/>
-          <p:nvPr/>
-        </p:nvSpPr>
-        <p:spPr>
-          <a:xfrm>
-            <a:off x="7756074" y="2577425"/>
-            <a:ext cx="1910580" cy="666734"/>
-          </a:xfrm>
-          <a:prstGeom prst="rect">
-            <a:avLst/>
-          </a:prstGeom>
-        </p:spPr>
-        <p:txBody>
-          <a:bodyPr wrap="square">
-            <a:spAutoFit/>
-          </a:bodyPr>
-          <a:lstStyle/>
-          <a:p>
-            <a:r>
-              <a:rPr lang="zh-TW" altLang="en-US" b="1" dirty="0">
-                <a:latin typeface="標楷體" panose="03000509000000000000" pitchFamily="65" charset="-120"/>
-                <a:ea typeface="標楷體" panose="03000509000000000000" pitchFamily="65" charset="-120"/>
-              </a:rPr>
-              <a:t>顯示</a:t>
-            </a:r>
-            <a:r>
-              <a:rPr lang="en-US" altLang="zh-TW" b="1" dirty="0">
-                <a:latin typeface="標楷體" panose="03000509000000000000" pitchFamily="65" charset="-120"/>
-                <a:ea typeface="標楷體" panose="03000509000000000000" pitchFamily="65" charset="-120"/>
-              </a:rPr>
-              <a:t>10</a:t>
-            </a:r>
-            <a:r>
-              <a:rPr lang="zh-TW" altLang="en-US" b="1" dirty="0">
-                <a:latin typeface="標楷體" panose="03000509000000000000" pitchFamily="65" charset="-120"/>
-                <a:ea typeface="標楷體" panose="03000509000000000000" pitchFamily="65" charset="-120"/>
-              </a:rPr>
-              <a:t>張照片計算出來的中位數</a:t>
-            </a:r>
-          </a:p>
-        </p:txBody>
-      </p:sp>
-      <p:sp>
-        <p:nvSpPr>
-          <p:cNvPr id="21" name="矩形 20"/>
-          <p:cNvSpPr/>
-          <p:nvPr/>
-        </p:nvSpPr>
-        <p:spPr>
-          <a:xfrm>
-            <a:off x="2833673" y="2717647"/>
-            <a:ext cx="1800493" cy="369332"/>
-          </a:xfrm>
-          <a:prstGeom prst="rect">
-            <a:avLst/>
-          </a:prstGeom>
-        </p:spPr>
-        <p:txBody>
-          <a:bodyPr wrap="none">
-            <a:spAutoFit/>
-          </a:bodyPr>
-          <a:lstStyle/>
-          <a:p>
-            <a:r>
-              <a:rPr lang="zh-TW" altLang="en-US" b="1" dirty="0">
-                <a:latin typeface="標楷體" panose="03000509000000000000" pitchFamily="65" charset="-120"/>
-                <a:ea typeface="標楷體" panose="03000509000000000000" pitchFamily="65" charset="-120"/>
-              </a:rPr>
-              <a:t>點選後返回首頁</a:t>
-            </a:r>
-          </a:p>
-        </p:txBody>
-      </p:sp>
-      <p:sp>
-        <p:nvSpPr>
-          <p:cNvPr id="27" name="矩形 26"/>
-          <p:cNvSpPr/>
-          <p:nvPr/>
-        </p:nvSpPr>
-        <p:spPr>
-          <a:xfrm>
-            <a:off x="8027656" y="4892808"/>
-            <a:ext cx="2084676" cy="646331"/>
-          </a:xfrm>
-          <a:prstGeom prst="rect">
-            <a:avLst/>
-          </a:prstGeom>
-        </p:spPr>
-        <p:txBody>
-          <a:bodyPr wrap="square">
-            <a:spAutoFit/>
-          </a:bodyPr>
-          <a:lstStyle/>
-          <a:p>
-            <a:r>
-              <a:rPr lang="zh-TW" altLang="en-US" b="1" dirty="0">
-                <a:latin typeface="標楷體" panose="03000509000000000000" pitchFamily="65" charset="-120"/>
-                <a:ea typeface="標楷體" panose="03000509000000000000" pitchFamily="65" charset="-120"/>
-              </a:rPr>
-              <a:t>點選後會計算所有桶數的蝦子數量</a:t>
-            </a:r>
-          </a:p>
-        </p:txBody>
-      </p:sp>
-      <p:sp>
-        <p:nvSpPr>
-          <p:cNvPr id="31" name="矩形 30"/>
-          <p:cNvSpPr/>
-          <p:nvPr/>
-        </p:nvSpPr>
-        <p:spPr>
-          <a:xfrm>
-            <a:off x="2913667" y="5223235"/>
-            <a:ext cx="1720499" cy="659848"/>
-          </a:xfrm>
-          <a:prstGeom prst="rect">
-            <a:avLst/>
-          </a:prstGeom>
-        </p:spPr>
-        <p:txBody>
-          <a:bodyPr wrap="square">
-            <a:spAutoFit/>
-          </a:bodyPr>
-          <a:lstStyle/>
-          <a:p>
-            <a:r>
-              <a:rPr lang="zh-TW" altLang="en-US" b="1" dirty="0">
-                <a:latin typeface="標楷體" panose="03000509000000000000" pitchFamily="65" charset="-120"/>
-                <a:ea typeface="標楷體" panose="03000509000000000000" pitchFamily="65" charset="-120"/>
-              </a:rPr>
-              <a:t>點選後跑出上一桶的結果</a:t>
-            </a:r>
-          </a:p>
-        </p:txBody>
-      </p:sp>
-      <p:sp>
-        <p:nvSpPr>
-          <p:cNvPr id="33" name="矩形 32"/>
-          <p:cNvSpPr/>
-          <p:nvPr/>
-        </p:nvSpPr>
-        <p:spPr>
-          <a:xfrm>
-            <a:off x="4079269" y="6048831"/>
-            <a:ext cx="1654063" cy="646331"/>
-          </a:xfrm>
-          <a:prstGeom prst="rect">
-            <a:avLst/>
-          </a:prstGeom>
-        </p:spPr>
-        <p:txBody>
-          <a:bodyPr wrap="square">
-            <a:spAutoFit/>
-          </a:bodyPr>
-          <a:lstStyle/>
-          <a:p>
-            <a:r>
-              <a:rPr lang="zh-TW" altLang="en-US" b="1" dirty="0">
-                <a:latin typeface="標楷體" panose="03000509000000000000" pitchFamily="65" charset="-120"/>
-                <a:ea typeface="標楷體" panose="03000509000000000000" pitchFamily="65" charset="-120"/>
-              </a:rPr>
-              <a:t>點選後跑出下一桶的結果</a:t>
-            </a:r>
-          </a:p>
-        </p:txBody>
-      </p:sp>
-      <p:sp>
-        <p:nvSpPr>
-          <p:cNvPr id="4" name="文字方塊 3">
-            <a:extLst>
-              <a:ext uri="{FF2B5EF4-FFF2-40B4-BE49-F238E27FC236}">
-                <a16:creationId xmlns:a16="http://schemas.microsoft.com/office/drawing/2014/main" id="{015EBF93-7529-4D1C-820A-16476FD68D76}"/>
-              </a:ext>
-            </a:extLst>
-          </p:cNvPr>
+      <p:sp>
+        <p:nvSpPr>
+          <p:cNvPr id="7" name="文字方塊 6"/>
           <p:cNvSpPr txBox="1"/>
           <p:nvPr/>
         </p:nvSpPr>
         <p:spPr>
           <a:xfrm>
-            <a:off x="8196060" y="4074046"/>
-            <a:ext cx="1313090" cy="369332"/>
+            <a:off x="7013448" y="3429000"/>
+            <a:ext cx="3044952" cy="646331"/>
           </a:xfrm>
           <a:prstGeom prst="rect">
             <a:avLst/>
@@ -5745,27 +5293,21 @@
                 <a:latin typeface="標楷體" panose="03000509000000000000" pitchFamily="65" charset="-120"/>
                 <a:ea typeface="標楷體" panose="03000509000000000000" pitchFamily="65" charset="-120"/>
               </a:rPr>
-              <a:t>拍的照片</a:t>
-            </a:r>
-          </a:p>
-        </p:txBody>
-      </p:sp>
-      <p:sp>
-        <p:nvSpPr>
-          <p:cNvPr id="5" name="文字方塊 4">
-            <a:extLst>
-              <a:ext uri="{FF2B5EF4-FFF2-40B4-BE49-F238E27FC236}">
-                <a16:creationId xmlns:a16="http://schemas.microsoft.com/office/drawing/2014/main" id="{88BF2A2A-ED46-4314-BED9-32A7060103AA}"/>
-              </a:ext>
-            </a:extLst>
-          </p:cNvPr>
+              <a:t>在按下開始計算按鈕後，等待計算結果時跑出來的畫面</a:t>
+            </a:r>
+          </a:p>
+        </p:txBody>
+      </p:sp>
+      <p:sp>
+        <p:nvSpPr>
+          <p:cNvPr id="8" name="文字方塊 7"/>
           <p:cNvSpPr txBox="1"/>
           <p:nvPr/>
         </p:nvSpPr>
         <p:spPr>
           <a:xfrm>
-            <a:off x="154466" y="3771022"/>
-            <a:ext cx="3165230" cy="1384995"/>
+            <a:off x="723864" y="444258"/>
+            <a:ext cx="2953512" cy="707886"/>
           </a:xfrm>
           <a:prstGeom prst="rect">
             <a:avLst/>
@@ -5779,37 +5321,19 @@
           <a:lstStyle/>
           <a:p>
             <a:r>
-              <a:rPr lang="zh-TW" altLang="en-US" sz="2800" b="1" dirty="0">
-                <a:latin typeface="標楷體" panose="03000509000000000000" pitchFamily="65" charset="-120"/>
-                <a:ea typeface="標楷體" panose="03000509000000000000" pitchFamily="65" charset="-120"/>
-              </a:rPr>
-              <a:t>按鈕</a:t>
-            </a:r>
-            <a:r>
-              <a:rPr lang="en-US" altLang="zh-TW" sz="2800" dirty="0">
-                <a:latin typeface="標楷體" panose="03000509000000000000" pitchFamily="65" charset="-120"/>
-                <a:ea typeface="標楷體" panose="03000509000000000000" pitchFamily="65" charset="-120"/>
-              </a:rPr>
-              <a:t>:</a:t>
-            </a:r>
-            <a:r>
-              <a:rPr lang="zh-TW" altLang="en-US" sz="2800" b="1" dirty="0">
-                <a:latin typeface="標楷體" panose="03000509000000000000" pitchFamily="65" charset="-120"/>
-                <a:ea typeface="標楷體" panose="03000509000000000000" pitchFamily="65" charset="-120"/>
-              </a:rPr>
-              <a:t>返回首頁、上一桶、下一桶、數量總和</a:t>
-            </a:r>
-            <a:endParaRPr lang="zh-TW" altLang="en-US" sz="2800" dirty="0">
-              <a:latin typeface="標楷體" panose="03000509000000000000" pitchFamily="65" charset="-120"/>
-              <a:ea typeface="標楷體" panose="03000509000000000000" pitchFamily="65" charset="-120"/>
-            </a:endParaRPr>
+              <a:rPr lang="zh-TW" altLang="en-US" sz="4000" b="1" dirty="0">
+                <a:latin typeface="標楷體" panose="03000509000000000000" pitchFamily="65" charset="-120"/>
+                <a:ea typeface="標楷體" panose="03000509000000000000" pitchFamily="65" charset="-120"/>
+              </a:rPr>
+              <a:t>開始計算</a:t>
+            </a:r>
           </a:p>
         </p:txBody>
       </p:sp>
     </p:spTree>
     <p:extLst>
       <p:ext uri="{BB962C8B-B14F-4D97-AF65-F5344CB8AC3E}">
-        <p14:creationId xmlns:p14="http://schemas.microsoft.com/office/powerpoint/2010/main" val="1188783290"/>
+        <p14:creationId xmlns:p14="http://schemas.microsoft.com/office/powerpoint/2010/main" val="3419550523"/>
       </p:ext>
     </p:extLst>
   </p:cSld>
@@ -5836,15 +5360,47 @@
           <a:chExt cx="0" cy="0"/>
         </a:xfrm>
       </p:grpSpPr>
+      <p:sp>
+        <p:nvSpPr>
+          <p:cNvPr id="2" name="文字方塊 1"/>
+          <p:cNvSpPr txBox="1"/>
+          <p:nvPr/>
+        </p:nvSpPr>
+        <p:spPr>
+          <a:xfrm>
+            <a:off x="562955" y="312872"/>
+            <a:ext cx="3589554" cy="707886"/>
+          </a:xfrm>
+          <a:prstGeom prst="rect">
+            <a:avLst/>
+          </a:prstGeom>
+          <a:noFill/>
+        </p:spPr>
+        <p:txBody>
+          <a:bodyPr wrap="square" rtlCol="0">
+            <a:spAutoFit/>
+          </a:bodyPr>
+          <a:lstStyle/>
+          <a:p>
+            <a:r>
+              <a:rPr lang="zh-TW" altLang="en-US" sz="4000" b="1" dirty="0">
+                <a:latin typeface="標楷體" panose="03000509000000000000" pitchFamily="65" charset="-120"/>
+                <a:ea typeface="標楷體" panose="03000509000000000000" pitchFamily="65" charset="-120"/>
+              </a:rPr>
+              <a:t>計算結果畫面</a:t>
+            </a:r>
+          </a:p>
+        </p:txBody>
+      </p:sp>
       <p:pic>
         <p:nvPicPr>
-          <p:cNvPr id="4" name="圖片 3"/>
+          <p:cNvPr id="3" name="圖片 2"/>
           <p:cNvPicPr>
             <a:picLocks noChangeAspect="1"/>
           </p:cNvPicPr>
           <p:nvPr/>
         </p:nvPicPr>
-        <p:blipFill rotWithShape="1">
+        <p:blipFill>
           <a:blip r:embed="rId2">
             <a:extLst>
               <a:ext uri="{28A0092B-C50C-407E-A947-70E740481C1C}">
@@ -5852,93 +5408,30 @@
               </a:ext>
             </a:extLst>
           </a:blip>
-          <a:srcRect l="23327" r="25268"/>
-          <a:stretch/>
+          <a:stretch>
+            <a:fillRect/>
+          </a:stretch>
         </p:blipFill>
         <p:spPr>
           <a:xfrm>
-            <a:off x="3803904" y="1307592"/>
-            <a:ext cx="3337560" cy="4489704"/>
+            <a:off x="2699762" y="1412191"/>
+            <a:ext cx="6730128" cy="4654199"/>
           </a:xfrm>
           <a:prstGeom prst="rect">
             <a:avLst/>
           </a:prstGeom>
         </p:spPr>
       </p:pic>
-      <p:sp>
-        <p:nvSpPr>
-          <p:cNvPr id="5" name="文字方塊 4"/>
-          <p:cNvSpPr txBox="1"/>
-          <p:nvPr/>
-        </p:nvSpPr>
-        <p:spPr>
-          <a:xfrm>
-            <a:off x="576072" y="438912"/>
-            <a:ext cx="3611880" cy="707886"/>
-          </a:xfrm>
-          <a:prstGeom prst="rect">
-            <a:avLst/>
-          </a:prstGeom>
-          <a:noFill/>
-        </p:spPr>
-        <p:txBody>
-          <a:bodyPr wrap="square" rtlCol="0">
-            <a:spAutoFit/>
-          </a:bodyPr>
-          <a:lstStyle/>
-          <a:p>
-            <a:r>
-              <a:rPr lang="zh-TW" altLang="en-US" sz="4000" b="1" dirty="0">
-                <a:latin typeface="標楷體" panose="03000509000000000000" pitchFamily="65" charset="-120"/>
-                <a:ea typeface="標楷體" panose="03000509000000000000" pitchFamily="65" charset="-120"/>
-              </a:rPr>
-              <a:t>數量總和</a:t>
-            </a:r>
-          </a:p>
-        </p:txBody>
-      </p:sp>
-      <p:sp>
-        <p:nvSpPr>
-          <p:cNvPr id="6" name="文字方塊 5"/>
-          <p:cNvSpPr txBox="1"/>
-          <p:nvPr/>
-        </p:nvSpPr>
-        <p:spPr>
-          <a:xfrm>
-            <a:off x="7474474" y="2809943"/>
-            <a:ext cx="2468880" cy="369332"/>
-          </a:xfrm>
-          <a:prstGeom prst="rect">
-            <a:avLst/>
-          </a:prstGeom>
-          <a:noFill/>
-        </p:spPr>
-        <p:txBody>
-          <a:bodyPr wrap="square" rtlCol="0">
-            <a:spAutoFit/>
-          </a:bodyPr>
-          <a:lstStyle/>
-          <a:p>
-            <a:r>
-              <a:rPr lang="zh-TW" altLang="en-US" b="1" dirty="0">
-                <a:latin typeface="標楷體" panose="03000509000000000000" pitchFamily="65" charset="-120"/>
-                <a:ea typeface="標楷體" panose="03000509000000000000" pitchFamily="65" charset="-120"/>
-              </a:rPr>
-              <a:t>顯示加總數量</a:t>
-            </a:r>
-          </a:p>
-        </p:txBody>
-      </p:sp>
       <p:cxnSp>
         <p:nvCxnSpPr>
-          <p:cNvPr id="8" name="直線單箭頭接點 7"/>
+          <p:cNvPr id="17" name="直線單箭頭接點 16"/>
           <p:cNvCxnSpPr/>
           <p:nvPr/>
         </p:nvCxnSpPr>
         <p:spPr>
-          <a:xfrm flipH="1" flipV="1">
-            <a:off x="6426740" y="2692021"/>
-            <a:ext cx="1120886" cy="235845"/>
+          <a:xfrm flipV="1">
+            <a:off x="3867912" y="2344869"/>
+            <a:ext cx="1038389" cy="448876"/>
           </a:xfrm>
           <a:prstGeom prst="straightConnector1">
             <a:avLst/>
@@ -5962,48 +5455,24 @@
           </a:fontRef>
         </p:style>
       </p:cxnSp>
-      <p:sp>
-        <p:nvSpPr>
-          <p:cNvPr id="11" name="文字方塊 10"/>
-          <p:cNvSpPr txBox="1"/>
-          <p:nvPr/>
-        </p:nvSpPr>
-        <p:spPr>
-          <a:xfrm>
-            <a:off x="7491313" y="3388965"/>
-            <a:ext cx="2289826" cy="923330"/>
-          </a:xfrm>
-          <a:prstGeom prst="rect">
-            <a:avLst/>
-          </a:prstGeom>
-          <a:noFill/>
-        </p:spPr>
-        <p:txBody>
-          <a:bodyPr wrap="square" rtlCol="0">
-            <a:spAutoFit/>
-          </a:bodyPr>
-          <a:lstStyle/>
-          <a:p>
-            <a:r>
-              <a:rPr lang="zh-TW" altLang="en-US" b="1" dirty="0">
-                <a:latin typeface="標楷體" panose="03000509000000000000" pitchFamily="65" charset="-120"/>
-                <a:ea typeface="標楷體" panose="03000509000000000000" pitchFamily="65" charset="-120"/>
-              </a:rPr>
-              <a:t>按一下會將此次計算的計算資料從雲端資料庫抓下來</a:t>
-            </a:r>
-          </a:p>
-        </p:txBody>
-      </p:sp>
       <p:cxnSp>
         <p:nvCxnSpPr>
-          <p:cNvPr id="12" name="直線單箭頭接點 11"/>
-          <p:cNvCxnSpPr/>
+          <p:cNvPr id="19" name="直線單箭頭接點 18">
+            <a:extLst>
+              <a:ext uri="{FF2B5EF4-FFF2-40B4-BE49-F238E27FC236}">
+                <a16:creationId xmlns:a16="http://schemas.microsoft.com/office/drawing/2014/main" id="{8F7EA72C-F148-4DD9-9B2E-064C6A160273}"/>
+              </a:ext>
+            </a:extLst>
+          </p:cNvPr>
+          <p:cNvCxnSpPr>
+            <a:cxnSpLocks/>
+          </p:cNvCxnSpPr>
           <p:nvPr/>
         </p:nvCxnSpPr>
         <p:spPr>
           <a:xfrm flipH="1" flipV="1">
-            <a:off x="6353588" y="3444451"/>
-            <a:ext cx="1120886" cy="235845"/>
+            <a:off x="7168567" y="2368601"/>
+            <a:ext cx="587507" cy="425144"/>
           </a:xfrm>
           <a:prstGeom prst="straightConnector1">
             <a:avLst/>
@@ -6027,48 +5496,24 @@
           </a:fontRef>
         </p:style>
       </p:cxnSp>
-      <p:sp>
-        <p:nvSpPr>
-          <p:cNvPr id="13" name="文字方塊 12"/>
-          <p:cNvSpPr txBox="1"/>
-          <p:nvPr/>
-        </p:nvSpPr>
-        <p:spPr>
-          <a:xfrm>
-            <a:off x="7547626" y="4325049"/>
-            <a:ext cx="2399133" cy="369332"/>
-          </a:xfrm>
-          <a:prstGeom prst="rect">
-            <a:avLst/>
-          </a:prstGeom>
-          <a:noFill/>
-        </p:spPr>
-        <p:txBody>
-          <a:bodyPr wrap="square" rtlCol="0">
-            <a:spAutoFit/>
-          </a:bodyPr>
-          <a:lstStyle/>
-          <a:p>
-            <a:r>
-              <a:rPr lang="zh-TW" altLang="en-US" b="1" dirty="0">
-                <a:latin typeface="標楷體" panose="03000509000000000000" pitchFamily="65" charset="-120"/>
-                <a:ea typeface="標楷體" panose="03000509000000000000" pitchFamily="65" charset="-120"/>
-              </a:rPr>
-              <a:t>按一下返回首頁</a:t>
-            </a:r>
-          </a:p>
-        </p:txBody>
-      </p:sp>
       <p:cxnSp>
         <p:nvCxnSpPr>
-          <p:cNvPr id="14" name="直線單箭頭接點 13"/>
-          <p:cNvCxnSpPr/>
+          <p:cNvPr id="20" name="直線單箭頭接點 19">
+            <a:extLst>
+              <a:ext uri="{FF2B5EF4-FFF2-40B4-BE49-F238E27FC236}">
+                <a16:creationId xmlns:a16="http://schemas.microsoft.com/office/drawing/2014/main" id="{8F7EA72C-F148-4DD9-9B2E-064C6A160273}"/>
+              </a:ext>
+            </a:extLst>
+          </p:cNvPr>
+          <p:cNvCxnSpPr>
+            <a:cxnSpLocks/>
+          </p:cNvCxnSpPr>
           <p:nvPr/>
         </p:nvCxnSpPr>
         <p:spPr>
           <a:xfrm flipH="1" flipV="1">
-            <a:off x="6426740" y="4018945"/>
-            <a:ext cx="1184116" cy="474499"/>
+            <a:off x="7168567" y="4783181"/>
+            <a:ext cx="896440" cy="238358"/>
           </a:xfrm>
           <a:prstGeom prst="straightConnector1">
             <a:avLst/>
@@ -6092,12 +5537,288 @@
           </a:fontRef>
         </p:style>
       </p:cxnSp>
-      <p:sp>
-        <p:nvSpPr>
-          <p:cNvPr id="2" name="文字方塊 1">
-            <a:extLst>
-              <a:ext uri="{FF2B5EF4-FFF2-40B4-BE49-F238E27FC236}">
-                <a16:creationId xmlns:a16="http://schemas.microsoft.com/office/drawing/2014/main" id="{C12ECC57-5395-490E-B3E0-79BD357F0C27}"/>
+      <p:cxnSp>
+        <p:nvCxnSpPr>
+          <p:cNvPr id="22" name="直線單箭頭接點 21">
+            <a:extLst>
+              <a:ext uri="{FF2B5EF4-FFF2-40B4-BE49-F238E27FC236}">
+                <a16:creationId xmlns:a16="http://schemas.microsoft.com/office/drawing/2014/main" id="{8F7EA72C-F148-4DD9-9B2E-064C6A160273}"/>
+              </a:ext>
+            </a:extLst>
+          </p:cNvPr>
+          <p:cNvCxnSpPr>
+            <a:cxnSpLocks/>
+          </p:cNvCxnSpPr>
+          <p:nvPr/>
+        </p:nvCxnSpPr>
+        <p:spPr>
+          <a:xfrm flipV="1">
+            <a:off x="4152692" y="4895141"/>
+            <a:ext cx="701020" cy="421142"/>
+          </a:xfrm>
+          <a:prstGeom prst="straightConnector1">
+            <a:avLst/>
+          </a:prstGeom>
+          <a:ln>
+            <a:tailEnd type="triangle"/>
+          </a:ln>
+        </p:spPr>
+        <p:style>
+          <a:lnRef idx="3">
+            <a:schemeClr val="dk1"/>
+          </a:lnRef>
+          <a:fillRef idx="0">
+            <a:schemeClr val="dk1"/>
+          </a:fillRef>
+          <a:effectRef idx="2">
+            <a:schemeClr val="dk1"/>
+          </a:effectRef>
+          <a:fontRef idx="minor">
+            <a:schemeClr val="tx1"/>
+          </a:fontRef>
+        </p:style>
+      </p:cxnSp>
+      <p:cxnSp>
+        <p:nvCxnSpPr>
+          <p:cNvPr id="24" name="直線單箭頭接點 23"/>
+          <p:cNvCxnSpPr/>
+          <p:nvPr/>
+        </p:nvCxnSpPr>
+        <p:spPr>
+          <a:xfrm flipV="1">
+            <a:off x="4681728" y="4892808"/>
+            <a:ext cx="749936" cy="1173582"/>
+          </a:xfrm>
+          <a:prstGeom prst="straightConnector1">
+            <a:avLst/>
+          </a:prstGeom>
+          <a:ln>
+            <a:tailEnd type="triangle"/>
+          </a:ln>
+        </p:spPr>
+        <p:style>
+          <a:lnRef idx="3">
+            <a:schemeClr val="dk1"/>
+          </a:lnRef>
+          <a:fillRef idx="0">
+            <a:schemeClr val="dk1"/>
+          </a:fillRef>
+          <a:effectRef idx="2">
+            <a:schemeClr val="dk1"/>
+          </a:effectRef>
+          <a:fontRef idx="minor">
+            <a:schemeClr val="tx1"/>
+          </a:fontRef>
+        </p:style>
+      </p:cxnSp>
+      <p:cxnSp>
+        <p:nvCxnSpPr>
+          <p:cNvPr id="26" name="直線單箭頭接點 25"/>
+          <p:cNvCxnSpPr/>
+          <p:nvPr/>
+        </p:nvCxnSpPr>
+        <p:spPr>
+          <a:xfrm flipH="1" flipV="1">
+            <a:off x="6962230" y="3932790"/>
+            <a:ext cx="1313090" cy="325922"/>
+          </a:xfrm>
+          <a:prstGeom prst="straightConnector1">
+            <a:avLst/>
+          </a:prstGeom>
+          <a:ln>
+            <a:tailEnd type="triangle"/>
+          </a:ln>
+        </p:spPr>
+        <p:style>
+          <a:lnRef idx="3">
+            <a:schemeClr val="dk1"/>
+          </a:lnRef>
+          <a:fillRef idx="0">
+            <a:schemeClr val="dk1"/>
+          </a:fillRef>
+          <a:effectRef idx="2">
+            <a:schemeClr val="dk1"/>
+          </a:effectRef>
+          <a:fontRef idx="minor">
+            <a:schemeClr val="tx1"/>
+          </a:fontRef>
+        </p:style>
+      </p:cxnSp>
+      <p:sp>
+        <p:nvSpPr>
+          <p:cNvPr id="18" name="矩形 17"/>
+          <p:cNvSpPr/>
+          <p:nvPr/>
+        </p:nvSpPr>
+        <p:spPr>
+          <a:xfrm>
+            <a:off x="7756074" y="2577425"/>
+            <a:ext cx="1910580" cy="666734"/>
+          </a:xfrm>
+          <a:prstGeom prst="rect">
+            <a:avLst/>
+          </a:prstGeom>
+        </p:spPr>
+        <p:txBody>
+          <a:bodyPr wrap="square">
+            <a:spAutoFit/>
+          </a:bodyPr>
+          <a:lstStyle/>
+          <a:p>
+            <a:r>
+              <a:rPr lang="zh-TW" altLang="en-US" b="1" dirty="0">
+                <a:latin typeface="標楷體" panose="03000509000000000000" pitchFamily="65" charset="-120"/>
+                <a:ea typeface="標楷體" panose="03000509000000000000" pitchFamily="65" charset="-120"/>
+              </a:rPr>
+              <a:t>顯示</a:t>
+            </a:r>
+            <a:r>
+              <a:rPr lang="en-US" altLang="zh-TW" b="1" dirty="0">
+                <a:latin typeface="標楷體" panose="03000509000000000000" pitchFamily="65" charset="-120"/>
+                <a:ea typeface="標楷體" panose="03000509000000000000" pitchFamily="65" charset="-120"/>
+              </a:rPr>
+              <a:t>10</a:t>
+            </a:r>
+            <a:r>
+              <a:rPr lang="zh-TW" altLang="en-US" b="1" dirty="0">
+                <a:latin typeface="標楷體" panose="03000509000000000000" pitchFamily="65" charset="-120"/>
+                <a:ea typeface="標楷體" panose="03000509000000000000" pitchFamily="65" charset="-120"/>
+              </a:rPr>
+              <a:t>張照片計算出來的中位數</a:t>
+            </a:r>
+          </a:p>
+        </p:txBody>
+      </p:sp>
+      <p:sp>
+        <p:nvSpPr>
+          <p:cNvPr id="21" name="矩形 20"/>
+          <p:cNvSpPr/>
+          <p:nvPr/>
+        </p:nvSpPr>
+        <p:spPr>
+          <a:xfrm>
+            <a:off x="2833673" y="2717647"/>
+            <a:ext cx="1800493" cy="369332"/>
+          </a:xfrm>
+          <a:prstGeom prst="rect">
+            <a:avLst/>
+          </a:prstGeom>
+        </p:spPr>
+        <p:txBody>
+          <a:bodyPr wrap="none">
+            <a:spAutoFit/>
+          </a:bodyPr>
+          <a:lstStyle/>
+          <a:p>
+            <a:r>
+              <a:rPr lang="zh-TW" altLang="en-US" b="1" dirty="0">
+                <a:latin typeface="標楷體" panose="03000509000000000000" pitchFamily="65" charset="-120"/>
+                <a:ea typeface="標楷體" panose="03000509000000000000" pitchFamily="65" charset="-120"/>
+              </a:rPr>
+              <a:t>點選後返回首頁</a:t>
+            </a:r>
+          </a:p>
+        </p:txBody>
+      </p:sp>
+      <p:sp>
+        <p:nvSpPr>
+          <p:cNvPr id="27" name="矩形 26"/>
+          <p:cNvSpPr/>
+          <p:nvPr/>
+        </p:nvSpPr>
+        <p:spPr>
+          <a:xfrm>
+            <a:off x="8027656" y="4892808"/>
+            <a:ext cx="2084676" cy="646331"/>
+          </a:xfrm>
+          <a:prstGeom prst="rect">
+            <a:avLst/>
+          </a:prstGeom>
+        </p:spPr>
+        <p:txBody>
+          <a:bodyPr wrap="square">
+            <a:spAutoFit/>
+          </a:bodyPr>
+          <a:lstStyle/>
+          <a:p>
+            <a:r>
+              <a:rPr lang="zh-TW" altLang="en-US" b="1" dirty="0">
+                <a:latin typeface="標楷體" panose="03000509000000000000" pitchFamily="65" charset="-120"/>
+                <a:ea typeface="標楷體" panose="03000509000000000000" pitchFamily="65" charset="-120"/>
+              </a:rPr>
+              <a:t>點選後會計算所有桶數的蝦子數量</a:t>
+            </a:r>
+          </a:p>
+        </p:txBody>
+      </p:sp>
+      <p:sp>
+        <p:nvSpPr>
+          <p:cNvPr id="31" name="矩形 30"/>
+          <p:cNvSpPr/>
+          <p:nvPr/>
+        </p:nvSpPr>
+        <p:spPr>
+          <a:xfrm>
+            <a:off x="2913667" y="5223235"/>
+            <a:ext cx="1720499" cy="659848"/>
+          </a:xfrm>
+          <a:prstGeom prst="rect">
+            <a:avLst/>
+          </a:prstGeom>
+        </p:spPr>
+        <p:txBody>
+          <a:bodyPr wrap="square">
+            <a:spAutoFit/>
+          </a:bodyPr>
+          <a:lstStyle/>
+          <a:p>
+            <a:r>
+              <a:rPr lang="zh-TW" altLang="en-US" b="1" dirty="0">
+                <a:latin typeface="標楷體" panose="03000509000000000000" pitchFamily="65" charset="-120"/>
+                <a:ea typeface="標楷體" panose="03000509000000000000" pitchFamily="65" charset="-120"/>
+              </a:rPr>
+              <a:t>點選後跑出上一桶的結果</a:t>
+            </a:r>
+          </a:p>
+        </p:txBody>
+      </p:sp>
+      <p:sp>
+        <p:nvSpPr>
+          <p:cNvPr id="33" name="矩形 32"/>
+          <p:cNvSpPr/>
+          <p:nvPr/>
+        </p:nvSpPr>
+        <p:spPr>
+          <a:xfrm>
+            <a:off x="4079269" y="6048831"/>
+            <a:ext cx="1654063" cy="646331"/>
+          </a:xfrm>
+          <a:prstGeom prst="rect">
+            <a:avLst/>
+          </a:prstGeom>
+        </p:spPr>
+        <p:txBody>
+          <a:bodyPr wrap="square">
+            <a:spAutoFit/>
+          </a:bodyPr>
+          <a:lstStyle/>
+          <a:p>
+            <a:r>
+              <a:rPr lang="zh-TW" altLang="en-US" b="1" dirty="0">
+                <a:latin typeface="標楷體" panose="03000509000000000000" pitchFamily="65" charset="-120"/>
+                <a:ea typeface="標楷體" panose="03000509000000000000" pitchFamily="65" charset="-120"/>
+              </a:rPr>
+              <a:t>點選後跑出下一桶的結果</a:t>
+            </a:r>
+          </a:p>
+        </p:txBody>
+      </p:sp>
+      <p:sp>
+        <p:nvSpPr>
+          <p:cNvPr id="4" name="文字方塊 3">
+            <a:extLst>
+              <a:ext uri="{FF2B5EF4-FFF2-40B4-BE49-F238E27FC236}">
+                <a16:creationId xmlns:a16="http://schemas.microsoft.com/office/drawing/2014/main" id="{015EBF93-7529-4D1C-820A-16476FD68D76}"/>
               </a:ext>
             </a:extLst>
           </p:cNvPr>
@@ -6106,8 +5827,8 @@
         </p:nvSpPr>
         <p:spPr>
           <a:xfrm>
-            <a:off x="298938" y="3763108"/>
-            <a:ext cx="2883877" cy="954107"/>
+            <a:off x="8196060" y="4074046"/>
+            <a:ext cx="1313090" cy="369332"/>
           </a:xfrm>
           <a:prstGeom prst="rect">
             <a:avLst/>
@@ -6121,6 +5842,44 @@
           <a:lstStyle/>
           <a:p>
             <a:r>
+              <a:rPr lang="zh-TW" altLang="en-US" b="1" dirty="0">
+                <a:latin typeface="標楷體" panose="03000509000000000000" pitchFamily="65" charset="-120"/>
+                <a:ea typeface="標楷體" panose="03000509000000000000" pitchFamily="65" charset="-120"/>
+              </a:rPr>
+              <a:t>拍的照片</a:t>
+            </a:r>
+          </a:p>
+        </p:txBody>
+      </p:sp>
+      <p:sp>
+        <p:nvSpPr>
+          <p:cNvPr id="5" name="文字方塊 4">
+            <a:extLst>
+              <a:ext uri="{FF2B5EF4-FFF2-40B4-BE49-F238E27FC236}">
+                <a16:creationId xmlns:a16="http://schemas.microsoft.com/office/drawing/2014/main" id="{88BF2A2A-ED46-4314-BED9-32A7060103AA}"/>
+              </a:ext>
+            </a:extLst>
+          </p:cNvPr>
+          <p:cNvSpPr txBox="1"/>
+          <p:nvPr/>
+        </p:nvSpPr>
+        <p:spPr>
+          <a:xfrm>
+            <a:off x="154466" y="3771022"/>
+            <a:ext cx="3165230" cy="1384995"/>
+          </a:xfrm>
+          <a:prstGeom prst="rect">
+            <a:avLst/>
+          </a:prstGeom>
+          <a:noFill/>
+        </p:spPr>
+        <p:txBody>
+          <a:bodyPr wrap="square" rtlCol="0">
+            <a:spAutoFit/>
+          </a:bodyPr>
+          <a:lstStyle/>
+          <a:p>
+            <a:r>
               <a:rPr lang="zh-TW" altLang="en-US" sz="2800" b="1" dirty="0">
                 <a:latin typeface="標楷體" panose="03000509000000000000" pitchFamily="65" charset="-120"/>
                 <a:ea typeface="標楷體" panose="03000509000000000000" pitchFamily="65" charset="-120"/>
@@ -6128,7 +5887,7 @@
               <a:t>按鈕</a:t>
             </a:r>
             <a:r>
-              <a:rPr lang="en-US" altLang="zh-TW" sz="2800" b="1" dirty="0">
+              <a:rPr lang="en-US" altLang="zh-TW" sz="2800" dirty="0">
                 <a:latin typeface="標楷體" panose="03000509000000000000" pitchFamily="65" charset="-120"/>
                 <a:ea typeface="標楷體" panose="03000509000000000000" pitchFamily="65" charset="-120"/>
               </a:rPr>
@@ -6139,15 +5898,19 @@
                 <a:latin typeface="標楷體" panose="03000509000000000000" pitchFamily="65" charset="-120"/>
                 <a:ea typeface="標楷體" panose="03000509000000000000" pitchFamily="65" charset="-120"/>
               </a:rPr>
-              <a:t>查看詳細、返回首頁</a:t>
-            </a:r>
+              <a:t>返回首頁、上一桶、下一桶、數量總和</a:t>
+            </a:r>
+            <a:endParaRPr lang="zh-TW" altLang="en-US" sz="2800" dirty="0">
+              <a:latin typeface="標楷體" panose="03000509000000000000" pitchFamily="65" charset="-120"/>
+              <a:ea typeface="標楷體" panose="03000509000000000000" pitchFamily="65" charset="-120"/>
+            </a:endParaRPr>
           </a:p>
         </p:txBody>
       </p:sp>
     </p:spTree>
     <p:extLst>
       <p:ext uri="{BB962C8B-B14F-4D97-AF65-F5344CB8AC3E}">
-        <p14:creationId xmlns:p14="http://schemas.microsoft.com/office/powerpoint/2010/main" val="2807866614"/>
+        <p14:creationId xmlns:p14="http://schemas.microsoft.com/office/powerpoint/2010/main" val="1188783290"/>
       </p:ext>
     </p:extLst>
   </p:cSld>
@@ -6174,6 +5937,344 @@
           <a:chExt cx="0" cy="0"/>
         </a:xfrm>
       </p:grpSpPr>
+      <p:pic>
+        <p:nvPicPr>
+          <p:cNvPr id="4" name="圖片 3"/>
+          <p:cNvPicPr>
+            <a:picLocks noChangeAspect="1"/>
+          </p:cNvPicPr>
+          <p:nvPr/>
+        </p:nvPicPr>
+        <p:blipFill rotWithShape="1">
+          <a:blip r:embed="rId2">
+            <a:extLst>
+              <a:ext uri="{28A0092B-C50C-407E-A947-70E740481C1C}">
+                <a14:useLocalDpi xmlns:a14="http://schemas.microsoft.com/office/drawing/2010/main" val="0"/>
+              </a:ext>
+            </a:extLst>
+          </a:blip>
+          <a:srcRect l="23327" r="25268"/>
+          <a:stretch/>
+        </p:blipFill>
+        <p:spPr>
+          <a:xfrm>
+            <a:off x="3803904" y="1307592"/>
+            <a:ext cx="3337560" cy="4489704"/>
+          </a:xfrm>
+          <a:prstGeom prst="rect">
+            <a:avLst/>
+          </a:prstGeom>
+        </p:spPr>
+      </p:pic>
+      <p:sp>
+        <p:nvSpPr>
+          <p:cNvPr id="5" name="文字方塊 4"/>
+          <p:cNvSpPr txBox="1"/>
+          <p:nvPr/>
+        </p:nvSpPr>
+        <p:spPr>
+          <a:xfrm>
+            <a:off x="576072" y="438912"/>
+            <a:ext cx="3611880" cy="707886"/>
+          </a:xfrm>
+          <a:prstGeom prst="rect">
+            <a:avLst/>
+          </a:prstGeom>
+          <a:noFill/>
+        </p:spPr>
+        <p:txBody>
+          <a:bodyPr wrap="square" rtlCol="0">
+            <a:spAutoFit/>
+          </a:bodyPr>
+          <a:lstStyle/>
+          <a:p>
+            <a:r>
+              <a:rPr lang="zh-TW" altLang="en-US" sz="4000" b="1" dirty="0">
+                <a:latin typeface="標楷體" panose="03000509000000000000" pitchFamily="65" charset="-120"/>
+                <a:ea typeface="標楷體" panose="03000509000000000000" pitchFamily="65" charset="-120"/>
+              </a:rPr>
+              <a:t>數量總和</a:t>
+            </a:r>
+          </a:p>
+        </p:txBody>
+      </p:sp>
+      <p:sp>
+        <p:nvSpPr>
+          <p:cNvPr id="6" name="文字方塊 5"/>
+          <p:cNvSpPr txBox="1"/>
+          <p:nvPr/>
+        </p:nvSpPr>
+        <p:spPr>
+          <a:xfrm>
+            <a:off x="7474474" y="2809943"/>
+            <a:ext cx="2468880" cy="369332"/>
+          </a:xfrm>
+          <a:prstGeom prst="rect">
+            <a:avLst/>
+          </a:prstGeom>
+          <a:noFill/>
+        </p:spPr>
+        <p:txBody>
+          <a:bodyPr wrap="square" rtlCol="0">
+            <a:spAutoFit/>
+          </a:bodyPr>
+          <a:lstStyle/>
+          <a:p>
+            <a:r>
+              <a:rPr lang="zh-TW" altLang="en-US" b="1" dirty="0">
+                <a:latin typeface="標楷體" panose="03000509000000000000" pitchFamily="65" charset="-120"/>
+                <a:ea typeface="標楷體" panose="03000509000000000000" pitchFamily="65" charset="-120"/>
+              </a:rPr>
+              <a:t>顯示加總數量</a:t>
+            </a:r>
+          </a:p>
+        </p:txBody>
+      </p:sp>
+      <p:cxnSp>
+        <p:nvCxnSpPr>
+          <p:cNvPr id="8" name="直線單箭頭接點 7"/>
+          <p:cNvCxnSpPr/>
+          <p:nvPr/>
+        </p:nvCxnSpPr>
+        <p:spPr>
+          <a:xfrm flipH="1" flipV="1">
+            <a:off x="6426740" y="2692021"/>
+            <a:ext cx="1120886" cy="235845"/>
+          </a:xfrm>
+          <a:prstGeom prst="straightConnector1">
+            <a:avLst/>
+          </a:prstGeom>
+          <a:ln>
+            <a:tailEnd type="triangle"/>
+          </a:ln>
+        </p:spPr>
+        <p:style>
+          <a:lnRef idx="3">
+            <a:schemeClr val="dk1"/>
+          </a:lnRef>
+          <a:fillRef idx="0">
+            <a:schemeClr val="dk1"/>
+          </a:fillRef>
+          <a:effectRef idx="2">
+            <a:schemeClr val="dk1"/>
+          </a:effectRef>
+          <a:fontRef idx="minor">
+            <a:schemeClr val="tx1"/>
+          </a:fontRef>
+        </p:style>
+      </p:cxnSp>
+      <p:sp>
+        <p:nvSpPr>
+          <p:cNvPr id="11" name="文字方塊 10"/>
+          <p:cNvSpPr txBox="1"/>
+          <p:nvPr/>
+        </p:nvSpPr>
+        <p:spPr>
+          <a:xfrm>
+            <a:off x="7491313" y="3388965"/>
+            <a:ext cx="2289826" cy="923330"/>
+          </a:xfrm>
+          <a:prstGeom prst="rect">
+            <a:avLst/>
+          </a:prstGeom>
+          <a:noFill/>
+        </p:spPr>
+        <p:txBody>
+          <a:bodyPr wrap="square" rtlCol="0">
+            <a:spAutoFit/>
+          </a:bodyPr>
+          <a:lstStyle/>
+          <a:p>
+            <a:r>
+              <a:rPr lang="zh-TW" altLang="en-US" b="1" dirty="0">
+                <a:latin typeface="標楷體" panose="03000509000000000000" pitchFamily="65" charset="-120"/>
+                <a:ea typeface="標楷體" panose="03000509000000000000" pitchFamily="65" charset="-120"/>
+              </a:rPr>
+              <a:t>按一下會將此次計算的計算資料從雲端資料庫抓下來</a:t>
+            </a:r>
+          </a:p>
+        </p:txBody>
+      </p:sp>
+      <p:cxnSp>
+        <p:nvCxnSpPr>
+          <p:cNvPr id="12" name="直線單箭頭接點 11"/>
+          <p:cNvCxnSpPr/>
+          <p:nvPr/>
+        </p:nvCxnSpPr>
+        <p:spPr>
+          <a:xfrm flipH="1" flipV="1">
+            <a:off x="6353588" y="3444451"/>
+            <a:ext cx="1120886" cy="235845"/>
+          </a:xfrm>
+          <a:prstGeom prst="straightConnector1">
+            <a:avLst/>
+          </a:prstGeom>
+          <a:ln>
+            <a:tailEnd type="triangle"/>
+          </a:ln>
+        </p:spPr>
+        <p:style>
+          <a:lnRef idx="3">
+            <a:schemeClr val="dk1"/>
+          </a:lnRef>
+          <a:fillRef idx="0">
+            <a:schemeClr val="dk1"/>
+          </a:fillRef>
+          <a:effectRef idx="2">
+            <a:schemeClr val="dk1"/>
+          </a:effectRef>
+          <a:fontRef idx="minor">
+            <a:schemeClr val="tx1"/>
+          </a:fontRef>
+        </p:style>
+      </p:cxnSp>
+      <p:sp>
+        <p:nvSpPr>
+          <p:cNvPr id="13" name="文字方塊 12"/>
+          <p:cNvSpPr txBox="1"/>
+          <p:nvPr/>
+        </p:nvSpPr>
+        <p:spPr>
+          <a:xfrm>
+            <a:off x="7547626" y="4325049"/>
+            <a:ext cx="2399133" cy="369332"/>
+          </a:xfrm>
+          <a:prstGeom prst="rect">
+            <a:avLst/>
+          </a:prstGeom>
+          <a:noFill/>
+        </p:spPr>
+        <p:txBody>
+          <a:bodyPr wrap="square" rtlCol="0">
+            <a:spAutoFit/>
+          </a:bodyPr>
+          <a:lstStyle/>
+          <a:p>
+            <a:r>
+              <a:rPr lang="zh-TW" altLang="en-US" b="1" dirty="0">
+                <a:latin typeface="標楷體" panose="03000509000000000000" pitchFamily="65" charset="-120"/>
+                <a:ea typeface="標楷體" panose="03000509000000000000" pitchFamily="65" charset="-120"/>
+              </a:rPr>
+              <a:t>按一下返回首頁</a:t>
+            </a:r>
+          </a:p>
+        </p:txBody>
+      </p:sp>
+      <p:cxnSp>
+        <p:nvCxnSpPr>
+          <p:cNvPr id="14" name="直線單箭頭接點 13"/>
+          <p:cNvCxnSpPr/>
+          <p:nvPr/>
+        </p:nvCxnSpPr>
+        <p:spPr>
+          <a:xfrm flipH="1" flipV="1">
+            <a:off x="6426740" y="4018945"/>
+            <a:ext cx="1184116" cy="474499"/>
+          </a:xfrm>
+          <a:prstGeom prst="straightConnector1">
+            <a:avLst/>
+          </a:prstGeom>
+          <a:ln>
+            <a:tailEnd type="triangle"/>
+          </a:ln>
+        </p:spPr>
+        <p:style>
+          <a:lnRef idx="3">
+            <a:schemeClr val="dk1"/>
+          </a:lnRef>
+          <a:fillRef idx="0">
+            <a:schemeClr val="dk1"/>
+          </a:fillRef>
+          <a:effectRef idx="2">
+            <a:schemeClr val="dk1"/>
+          </a:effectRef>
+          <a:fontRef idx="minor">
+            <a:schemeClr val="tx1"/>
+          </a:fontRef>
+        </p:style>
+      </p:cxnSp>
+      <p:sp>
+        <p:nvSpPr>
+          <p:cNvPr id="2" name="文字方塊 1">
+            <a:extLst>
+              <a:ext uri="{FF2B5EF4-FFF2-40B4-BE49-F238E27FC236}">
+                <a16:creationId xmlns:a16="http://schemas.microsoft.com/office/drawing/2014/main" id="{C12ECC57-5395-490E-B3E0-79BD357F0C27}"/>
+              </a:ext>
+            </a:extLst>
+          </p:cNvPr>
+          <p:cNvSpPr txBox="1"/>
+          <p:nvPr/>
+        </p:nvSpPr>
+        <p:spPr>
+          <a:xfrm>
+            <a:off x="298938" y="3763108"/>
+            <a:ext cx="2883877" cy="954107"/>
+          </a:xfrm>
+          <a:prstGeom prst="rect">
+            <a:avLst/>
+          </a:prstGeom>
+          <a:noFill/>
+        </p:spPr>
+        <p:txBody>
+          <a:bodyPr wrap="square" rtlCol="0">
+            <a:spAutoFit/>
+          </a:bodyPr>
+          <a:lstStyle/>
+          <a:p>
+            <a:r>
+              <a:rPr lang="zh-TW" altLang="en-US" sz="2800" b="1" dirty="0">
+                <a:latin typeface="標楷體" panose="03000509000000000000" pitchFamily="65" charset="-120"/>
+                <a:ea typeface="標楷體" panose="03000509000000000000" pitchFamily="65" charset="-120"/>
+              </a:rPr>
+              <a:t>按鈕</a:t>
+            </a:r>
+            <a:r>
+              <a:rPr lang="en-US" altLang="zh-TW" sz="2800" b="1" dirty="0">
+                <a:latin typeface="標楷體" panose="03000509000000000000" pitchFamily="65" charset="-120"/>
+                <a:ea typeface="標楷體" panose="03000509000000000000" pitchFamily="65" charset="-120"/>
+              </a:rPr>
+              <a:t>:</a:t>
+            </a:r>
+            <a:r>
+              <a:rPr lang="zh-TW" altLang="en-US" sz="2800" b="1" dirty="0">
+                <a:latin typeface="標楷體" panose="03000509000000000000" pitchFamily="65" charset="-120"/>
+                <a:ea typeface="標楷體" panose="03000509000000000000" pitchFamily="65" charset="-120"/>
+              </a:rPr>
+              <a:t>查看詳細、返回首頁</a:t>
+            </a:r>
+          </a:p>
+        </p:txBody>
+      </p:sp>
+    </p:spTree>
+    <p:extLst>
+      <p:ext uri="{BB962C8B-B14F-4D97-AF65-F5344CB8AC3E}">
+        <p14:creationId xmlns:p14="http://schemas.microsoft.com/office/powerpoint/2010/main" val="2807866614"/>
+      </p:ext>
+    </p:extLst>
+  </p:cSld>
+  <p:clrMapOvr>
+    <a:masterClrMapping/>
+  </p:clrMapOvr>
+</p:sld>
+</file>
+
+<file path=ppt/slides/slide8.xml><?xml version="1.0" encoding="utf-8"?>
+<p:sld xmlns:a="http://schemas.openxmlformats.org/drawingml/2006/main" xmlns:r="http://schemas.openxmlformats.org/officeDocument/2006/relationships" xmlns:p="http://schemas.openxmlformats.org/presentationml/2006/main">
+  <p:cSld>
+    <p:spTree>
+      <p:nvGrpSpPr>
+        <p:cNvPr id="1" name=""/>
+        <p:cNvGrpSpPr/>
+        <p:nvPr/>
+      </p:nvGrpSpPr>
+      <p:grpSpPr>
+        <a:xfrm>
+          <a:off x="0" y="0"/>
+          <a:ext cx="0" cy="0"/>
+          <a:chOff x="0" y="0"/>
+          <a:chExt cx="0" cy="0"/>
+        </a:xfrm>
+      </p:grpSpPr>
       <p:sp>
         <p:nvSpPr>
           <p:cNvPr id="4" name="文字方塊 3">
@@ -6311,7 +6412,7 @@
 </p:sld>
 </file>
 
-<file path=ppt/slides/slide8.xml><?xml version="1.0" encoding="utf-8"?>
+<file path=ppt/slides/slide9.xml><?xml version="1.0" encoding="utf-8"?>
 <p:sld xmlns:a="http://schemas.openxmlformats.org/drawingml/2006/main" xmlns:r="http://schemas.openxmlformats.org/officeDocument/2006/relationships" xmlns:p="http://schemas.openxmlformats.org/presentationml/2006/main">
   <p:cSld>
     <p:spTree>

--- a/新流程1123.pptx
+++ b/新流程1123.pptx
@@ -14,6 +14,7 @@
     <p:sldId id="260" r:id="rId8"/>
     <p:sldId id="262" r:id="rId9"/>
     <p:sldId id="263" r:id="rId10"/>
+    <p:sldId id="265" r:id="rId11"/>
   </p:sldIdLst>
   <p:sldSz cx="12192000" cy="6858000"/>
   <p:notesSz cx="6858000" cy="9144000"/>
@@ -3417,6 +3418,99 @@
 </p:sld>
 </file>
 
+<file path=ppt/slides/slide10.xml><?xml version="1.0" encoding="utf-8"?>
+<p:sld xmlns:a="http://schemas.openxmlformats.org/drawingml/2006/main" xmlns:r="http://schemas.openxmlformats.org/officeDocument/2006/relationships" xmlns:p="http://schemas.openxmlformats.org/presentationml/2006/main">
+  <p:cSld>
+    <p:spTree>
+      <p:nvGrpSpPr>
+        <p:cNvPr id="1" name=""/>
+        <p:cNvGrpSpPr/>
+        <p:nvPr/>
+      </p:nvGrpSpPr>
+      <p:grpSpPr>
+        <a:xfrm>
+          <a:off x="0" y="0"/>
+          <a:ext cx="0" cy="0"/>
+          <a:chOff x="0" y="0"/>
+          <a:chExt cx="0" cy="0"/>
+        </a:xfrm>
+      </p:grpSpPr>
+      <p:sp>
+        <p:nvSpPr>
+          <p:cNvPr id="2" name="標題 1">
+            <a:extLst>
+              <a:ext uri="{FF2B5EF4-FFF2-40B4-BE49-F238E27FC236}">
+                <a16:creationId xmlns:a16="http://schemas.microsoft.com/office/drawing/2014/main" id="{511FAC28-B533-44FB-AD21-702CAFF067F3}"/>
+              </a:ext>
+            </a:extLst>
+          </p:cNvPr>
+          <p:cNvSpPr>
+            <a:spLocks noGrp="1"/>
+          </p:cNvSpPr>
+          <p:nvPr>
+            <p:ph type="title"/>
+          </p:nvPr>
+        </p:nvSpPr>
+        <p:spPr/>
+        <p:txBody>
+          <a:bodyPr/>
+          <a:lstStyle/>
+          <a:p>
+            <a:r>
+              <a:rPr lang="zh-TW" altLang="en-US" dirty="0"/>
+              <a:t>原數蝦桶測試結果</a:t>
+            </a:r>
+          </a:p>
+        </p:txBody>
+      </p:sp>
+      <p:pic>
+        <p:nvPicPr>
+          <p:cNvPr id="5" name="內容版面配置區 4">
+            <a:extLst>
+              <a:ext uri="{FF2B5EF4-FFF2-40B4-BE49-F238E27FC236}">
+                <a16:creationId xmlns:a16="http://schemas.microsoft.com/office/drawing/2014/main" id="{36E34338-33CA-434F-9C6B-64D32967C5F6}"/>
+              </a:ext>
+            </a:extLst>
+          </p:cNvPr>
+          <p:cNvPicPr>
+            <a:picLocks noGrp="1" noChangeAspect="1"/>
+          </p:cNvPicPr>
+          <p:nvPr>
+            <p:ph idx="1"/>
+          </p:nvPr>
+        </p:nvPicPr>
+        <p:blipFill>
+          <a:blip r:embed="rId2">
+            <a:extLst>
+              <a:ext uri="{28A0092B-C50C-407E-A947-70E740481C1C}">
+                <a14:useLocalDpi xmlns:a14="http://schemas.microsoft.com/office/drawing/2010/main" val="0"/>
+              </a:ext>
+            </a:extLst>
+          </a:blip>
+          <a:stretch>
+            <a:fillRect/>
+          </a:stretch>
+        </p:blipFill>
+        <p:spPr>
+          <a:xfrm>
+            <a:off x="7091604" y="1027906"/>
+            <a:ext cx="2447627" cy="4351338"/>
+          </a:xfrm>
+        </p:spPr>
+      </p:pic>
+    </p:spTree>
+    <p:extLst>
+      <p:ext uri="{BB962C8B-B14F-4D97-AF65-F5344CB8AC3E}">
+        <p14:creationId xmlns:p14="http://schemas.microsoft.com/office/powerpoint/2010/main" val="531360271"/>
+      </p:ext>
+    </p:extLst>
+  </p:cSld>
+  <p:clrMapOvr>
+    <a:masterClrMapping/>
+  </p:clrMapOvr>
+</p:sld>
+</file>
+
 <file path=ppt/slides/slide2.xml><?xml version="1.0" encoding="utf-8"?>
 <p:sld xmlns:a="http://schemas.openxmlformats.org/drawingml/2006/main" xmlns:r="http://schemas.openxmlformats.org/officeDocument/2006/relationships" xmlns:p="http://schemas.openxmlformats.org/presentationml/2006/main">
   <p:cSld>
